--- a/curs13.pptx
+++ b/curs13.pptx
@@ -5,10 +5,10 @@
     <p:sldMasterId id="2147483648" r:id="rId1"/>
   </p:sldMasterIdLst>
   <p:notesMasterIdLst>
-    <p:notesMasterId r:id="rId14"/>
+    <p:notesMasterId r:id="rId15"/>
   </p:notesMasterIdLst>
   <p:handoutMasterIdLst>
-    <p:handoutMasterId r:id="rId15"/>
+    <p:handoutMasterId r:id="rId16"/>
   </p:handoutMasterIdLst>
   <p:sldIdLst>
     <p:sldId id="256" r:id="rId2"/>
@@ -23,6 +23,7 @@
     <p:sldId id="263" r:id="rId11"/>
     <p:sldId id="264" r:id="rId12"/>
     <p:sldId id="266" r:id="rId13"/>
+    <p:sldId id="268" r:id="rId14"/>
   </p:sldIdLst>
   <p:sldSz cx="9144000" cy="6858000" type="screen4x3"/>
   <p:notesSz cx="6858000" cy="9144000"/>
@@ -206,7 +207,7 @@
           <a:p>
             <a:fld id="{4178447B-3BCD-3D41-87DE-089120097750}" type="datetimeFigureOut">
               <a:rPr lang="en-US" smtClean="0"/>
-              <a:t>5/11/14</a:t>
+              <a:t>5/13/14</a:t>
             </a:fld>
             <a:endParaRPr lang="en-US"/>
           </a:p>
@@ -372,7 +373,7 @@
           <a:p>
             <a:fld id="{44121EAC-D6AA-F146-9C02-27FDBA88A4F7}" type="datetimeFigureOut">
               <a:rPr lang="en-US" smtClean="0"/>
-              <a:t>5/11/14</a:t>
+              <a:t>5/13/14</a:t>
             </a:fld>
             <a:endParaRPr lang="en-US"/>
           </a:p>
@@ -3868,6 +3869,13 @@
   <p:clrMapOvr>
     <a:masterClrMapping/>
   </p:clrMapOvr>
+  <p:timing>
+    <p:tnLst>
+      <p:par>
+        <p:cTn xmlns:p14="http://schemas.microsoft.com/office/powerpoint/2010/main" id="1" dur="indefinite" restart="never" nodeType="tmRoot"/>
+      </p:par>
+    </p:tnLst>
+  </p:timing>
 </p:sld>
 </file>
 
@@ -3928,7 +3936,7 @@
           <a:p>
             <a:r>
               <a:rPr lang="en-US" dirty="0" err="1" smtClean="0"/>
-              <a:t>Asemanatori</a:t>
+              <a:t>Asemănători</a:t>
             </a:r>
             <a:r>
               <a:rPr lang="en-US" dirty="0" smtClean="0"/>
@@ -3968,7 +3976,7 @@
             <a:pPr lvl="1"/>
             <a:r>
               <a:rPr lang="en-US" dirty="0" err="1" smtClean="0"/>
-              <a:t>Dereferentiere</a:t>
+              <a:t>Dereferențiere</a:t>
             </a:r>
             <a:endParaRPr lang="en-US" dirty="0" smtClean="0"/>
           </a:p>
@@ -4060,8 +4068,12 @@
           <a:p>
             <a:pPr lvl="1"/>
             <a:r>
-              <a:rPr lang="en-US" dirty="0" smtClean="0"/>
-              <a:t>Nu </a:t>
+              <a:rPr lang="en-US" dirty="0"/>
+              <a:t>n</a:t>
+            </a:r>
+            <a:r>
+              <a:rPr lang="en-US" dirty="0" smtClean="0"/>
+              <a:t>u </a:t>
             </a:r>
             <a:r>
               <a:rPr lang="en-US" dirty="0" err="1" smtClean="0"/>
@@ -4115,6 +4127,477 @@
   <p:clrMapOvr>
     <a:masterClrMapping/>
   </p:clrMapOvr>
+  <p:timing>
+    <p:tnLst>
+      <p:par>
+        <p:cTn xmlns:p14="http://schemas.microsoft.com/office/powerpoint/2010/main" id="1" dur="indefinite" restart="never" nodeType="tmRoot">
+          <p:childTnLst>
+            <p:seq concurrent="1" nextAc="seek">
+              <p:cTn id="2" dur="indefinite" nodeType="mainSeq">
+                <p:childTnLst>
+                  <p:par>
+                    <p:cTn id="3" fill="hold">
+                      <p:stCondLst>
+                        <p:cond delay="indefinite"/>
+                      </p:stCondLst>
+                      <p:childTnLst>
+                        <p:par>
+                          <p:cTn id="4" fill="hold">
+                            <p:stCondLst>
+                              <p:cond delay="0"/>
+                            </p:stCondLst>
+                            <p:childTnLst>
+                              <p:par>
+                                <p:cTn id="5" presetID="1" presetClass="entr" presetSubtype="0" fill="hold" nodeType="clickEffect">
+                                  <p:stCondLst>
+                                    <p:cond delay="0"/>
+                                  </p:stCondLst>
+                                  <p:childTnLst>
+                                    <p:set>
+                                      <p:cBhvr>
+                                        <p:cTn id="6" dur="1" fill="hold">
+                                          <p:stCondLst>
+                                            <p:cond delay="0"/>
+                                          </p:stCondLst>
+                                        </p:cTn>
+                                        <p:tgtEl>
+                                          <p:spTgt spid="3">
+                                            <p:txEl>
+                                              <p:pRg st="0" end="0"/>
+                                            </p:txEl>
+                                          </p:spTgt>
+                                        </p:tgtEl>
+                                        <p:attrNameLst>
+                                          <p:attrName>style.visibility</p:attrName>
+                                        </p:attrNameLst>
+                                      </p:cBhvr>
+                                      <p:to>
+                                        <p:strVal val="visible"/>
+                                      </p:to>
+                                    </p:set>
+                                  </p:childTnLst>
+                                </p:cTn>
+                              </p:par>
+                            </p:childTnLst>
+                          </p:cTn>
+                        </p:par>
+                      </p:childTnLst>
+                    </p:cTn>
+                  </p:par>
+                  <p:par>
+                    <p:cTn id="7" fill="hold">
+                      <p:stCondLst>
+                        <p:cond delay="indefinite"/>
+                      </p:stCondLst>
+                      <p:childTnLst>
+                        <p:par>
+                          <p:cTn id="8" fill="hold">
+                            <p:stCondLst>
+                              <p:cond delay="0"/>
+                            </p:stCondLst>
+                            <p:childTnLst>
+                              <p:par>
+                                <p:cTn id="9" presetID="1" presetClass="entr" presetSubtype="0" fill="hold" nodeType="clickEffect">
+                                  <p:stCondLst>
+                                    <p:cond delay="0"/>
+                                  </p:stCondLst>
+                                  <p:childTnLst>
+                                    <p:set>
+                                      <p:cBhvr>
+                                        <p:cTn id="10" dur="1" fill="hold">
+                                          <p:stCondLst>
+                                            <p:cond delay="0"/>
+                                          </p:stCondLst>
+                                        </p:cTn>
+                                        <p:tgtEl>
+                                          <p:spTgt spid="3">
+                                            <p:txEl>
+                                              <p:pRg st="1" end="1"/>
+                                            </p:txEl>
+                                          </p:spTgt>
+                                        </p:tgtEl>
+                                        <p:attrNameLst>
+                                          <p:attrName>style.visibility</p:attrName>
+                                        </p:attrNameLst>
+                                      </p:cBhvr>
+                                      <p:to>
+                                        <p:strVal val="visible"/>
+                                      </p:to>
+                                    </p:set>
+                                  </p:childTnLst>
+                                </p:cTn>
+                              </p:par>
+                            </p:childTnLst>
+                          </p:cTn>
+                        </p:par>
+                      </p:childTnLst>
+                    </p:cTn>
+                  </p:par>
+                  <p:par>
+                    <p:cTn id="11" fill="hold">
+                      <p:stCondLst>
+                        <p:cond delay="indefinite"/>
+                      </p:stCondLst>
+                      <p:childTnLst>
+                        <p:par>
+                          <p:cTn id="12" fill="hold">
+                            <p:stCondLst>
+                              <p:cond delay="0"/>
+                            </p:stCondLst>
+                            <p:childTnLst>
+                              <p:par>
+                                <p:cTn id="13" presetID="1" presetClass="entr" presetSubtype="0" fill="hold" nodeType="clickEffect">
+                                  <p:stCondLst>
+                                    <p:cond delay="0"/>
+                                  </p:stCondLst>
+                                  <p:childTnLst>
+                                    <p:set>
+                                      <p:cBhvr>
+                                        <p:cTn id="14" dur="1" fill="hold">
+                                          <p:stCondLst>
+                                            <p:cond delay="0"/>
+                                          </p:stCondLst>
+                                        </p:cTn>
+                                        <p:tgtEl>
+                                          <p:spTgt spid="3">
+                                            <p:txEl>
+                                              <p:pRg st="2" end="2"/>
+                                            </p:txEl>
+                                          </p:spTgt>
+                                        </p:tgtEl>
+                                        <p:attrNameLst>
+                                          <p:attrName>style.visibility</p:attrName>
+                                        </p:attrNameLst>
+                                      </p:cBhvr>
+                                      <p:to>
+                                        <p:strVal val="visible"/>
+                                      </p:to>
+                                    </p:set>
+                                  </p:childTnLst>
+                                </p:cTn>
+                              </p:par>
+                            </p:childTnLst>
+                          </p:cTn>
+                        </p:par>
+                      </p:childTnLst>
+                    </p:cTn>
+                  </p:par>
+                  <p:par>
+                    <p:cTn id="15" fill="hold">
+                      <p:stCondLst>
+                        <p:cond delay="indefinite"/>
+                      </p:stCondLst>
+                      <p:childTnLst>
+                        <p:par>
+                          <p:cTn id="16" fill="hold">
+                            <p:stCondLst>
+                              <p:cond delay="0"/>
+                            </p:stCondLst>
+                            <p:childTnLst>
+                              <p:par>
+                                <p:cTn id="17" presetID="1" presetClass="entr" presetSubtype="0" fill="hold" nodeType="clickEffect">
+                                  <p:stCondLst>
+                                    <p:cond delay="0"/>
+                                  </p:stCondLst>
+                                  <p:childTnLst>
+                                    <p:set>
+                                      <p:cBhvr>
+                                        <p:cTn id="18" dur="1" fill="hold">
+                                          <p:stCondLst>
+                                            <p:cond delay="0"/>
+                                          </p:stCondLst>
+                                        </p:cTn>
+                                        <p:tgtEl>
+                                          <p:spTgt spid="3">
+                                            <p:txEl>
+                                              <p:pRg st="3" end="3"/>
+                                            </p:txEl>
+                                          </p:spTgt>
+                                        </p:tgtEl>
+                                        <p:attrNameLst>
+                                          <p:attrName>style.visibility</p:attrName>
+                                        </p:attrNameLst>
+                                      </p:cBhvr>
+                                      <p:to>
+                                        <p:strVal val="visible"/>
+                                      </p:to>
+                                    </p:set>
+                                  </p:childTnLst>
+                                </p:cTn>
+                              </p:par>
+                            </p:childTnLst>
+                          </p:cTn>
+                        </p:par>
+                      </p:childTnLst>
+                    </p:cTn>
+                  </p:par>
+                  <p:par>
+                    <p:cTn id="19" fill="hold">
+                      <p:stCondLst>
+                        <p:cond delay="indefinite"/>
+                      </p:stCondLst>
+                      <p:childTnLst>
+                        <p:par>
+                          <p:cTn id="20" fill="hold">
+                            <p:stCondLst>
+                              <p:cond delay="0"/>
+                            </p:stCondLst>
+                            <p:childTnLst>
+                              <p:par>
+                                <p:cTn id="21" presetID="1" presetClass="entr" presetSubtype="0" fill="hold" nodeType="clickEffect">
+                                  <p:stCondLst>
+                                    <p:cond delay="0"/>
+                                  </p:stCondLst>
+                                  <p:childTnLst>
+                                    <p:set>
+                                      <p:cBhvr>
+                                        <p:cTn id="22" dur="1" fill="hold">
+                                          <p:stCondLst>
+                                            <p:cond delay="0"/>
+                                          </p:stCondLst>
+                                        </p:cTn>
+                                        <p:tgtEl>
+                                          <p:spTgt spid="3">
+                                            <p:txEl>
+                                              <p:pRg st="4" end="4"/>
+                                            </p:txEl>
+                                          </p:spTgt>
+                                        </p:tgtEl>
+                                        <p:attrNameLst>
+                                          <p:attrName>style.visibility</p:attrName>
+                                        </p:attrNameLst>
+                                      </p:cBhvr>
+                                      <p:to>
+                                        <p:strVal val="visible"/>
+                                      </p:to>
+                                    </p:set>
+                                  </p:childTnLst>
+                                </p:cTn>
+                              </p:par>
+                            </p:childTnLst>
+                          </p:cTn>
+                        </p:par>
+                      </p:childTnLst>
+                    </p:cTn>
+                  </p:par>
+                  <p:par>
+                    <p:cTn id="23" fill="hold">
+                      <p:stCondLst>
+                        <p:cond delay="indefinite"/>
+                      </p:stCondLst>
+                      <p:childTnLst>
+                        <p:par>
+                          <p:cTn id="24" fill="hold">
+                            <p:stCondLst>
+                              <p:cond delay="0"/>
+                            </p:stCondLst>
+                            <p:childTnLst>
+                              <p:par>
+                                <p:cTn id="25" presetID="1" presetClass="entr" presetSubtype="0" fill="hold" nodeType="clickEffect">
+                                  <p:stCondLst>
+                                    <p:cond delay="0"/>
+                                  </p:stCondLst>
+                                  <p:childTnLst>
+                                    <p:set>
+                                      <p:cBhvr>
+                                        <p:cTn id="26" dur="1" fill="hold">
+                                          <p:stCondLst>
+                                            <p:cond delay="0"/>
+                                          </p:stCondLst>
+                                        </p:cTn>
+                                        <p:tgtEl>
+                                          <p:spTgt spid="3">
+                                            <p:txEl>
+                                              <p:pRg st="5" end="5"/>
+                                            </p:txEl>
+                                          </p:spTgt>
+                                        </p:tgtEl>
+                                        <p:attrNameLst>
+                                          <p:attrName>style.visibility</p:attrName>
+                                        </p:attrNameLst>
+                                      </p:cBhvr>
+                                      <p:to>
+                                        <p:strVal val="visible"/>
+                                      </p:to>
+                                    </p:set>
+                                  </p:childTnLst>
+                                </p:cTn>
+                              </p:par>
+                            </p:childTnLst>
+                          </p:cTn>
+                        </p:par>
+                      </p:childTnLst>
+                    </p:cTn>
+                  </p:par>
+                  <p:par>
+                    <p:cTn id="27" fill="hold">
+                      <p:stCondLst>
+                        <p:cond delay="indefinite"/>
+                      </p:stCondLst>
+                      <p:childTnLst>
+                        <p:par>
+                          <p:cTn id="28" fill="hold">
+                            <p:stCondLst>
+                              <p:cond delay="0"/>
+                            </p:stCondLst>
+                            <p:childTnLst>
+                              <p:par>
+                                <p:cTn id="29" presetID="1" presetClass="entr" presetSubtype="0" fill="hold" nodeType="clickEffect">
+                                  <p:stCondLst>
+                                    <p:cond delay="0"/>
+                                  </p:stCondLst>
+                                  <p:childTnLst>
+                                    <p:set>
+                                      <p:cBhvr>
+                                        <p:cTn id="30" dur="1" fill="hold">
+                                          <p:stCondLst>
+                                            <p:cond delay="0"/>
+                                          </p:stCondLst>
+                                        </p:cTn>
+                                        <p:tgtEl>
+                                          <p:spTgt spid="3">
+                                            <p:txEl>
+                                              <p:pRg st="6" end="6"/>
+                                            </p:txEl>
+                                          </p:spTgt>
+                                        </p:tgtEl>
+                                        <p:attrNameLst>
+                                          <p:attrName>style.visibility</p:attrName>
+                                        </p:attrNameLst>
+                                      </p:cBhvr>
+                                      <p:to>
+                                        <p:strVal val="visible"/>
+                                      </p:to>
+                                    </p:set>
+                                  </p:childTnLst>
+                                </p:cTn>
+                              </p:par>
+                            </p:childTnLst>
+                          </p:cTn>
+                        </p:par>
+                      </p:childTnLst>
+                    </p:cTn>
+                  </p:par>
+                  <p:par>
+                    <p:cTn id="31" fill="hold">
+                      <p:stCondLst>
+                        <p:cond delay="indefinite"/>
+                      </p:stCondLst>
+                      <p:childTnLst>
+                        <p:par>
+                          <p:cTn id="32" fill="hold">
+                            <p:stCondLst>
+                              <p:cond delay="0"/>
+                            </p:stCondLst>
+                            <p:childTnLst>
+                              <p:par>
+                                <p:cTn id="33" presetID="1" presetClass="entr" presetSubtype="0" fill="hold" nodeType="clickEffect">
+                                  <p:stCondLst>
+                                    <p:cond delay="0"/>
+                                  </p:stCondLst>
+                                  <p:childTnLst>
+                                    <p:set>
+                                      <p:cBhvr>
+                                        <p:cTn id="34" dur="1" fill="hold">
+                                          <p:stCondLst>
+                                            <p:cond delay="0"/>
+                                          </p:stCondLst>
+                                        </p:cTn>
+                                        <p:tgtEl>
+                                          <p:spTgt spid="3">
+                                            <p:txEl>
+                                              <p:pRg st="7" end="7"/>
+                                            </p:txEl>
+                                          </p:spTgt>
+                                        </p:tgtEl>
+                                        <p:attrNameLst>
+                                          <p:attrName>style.visibility</p:attrName>
+                                        </p:attrNameLst>
+                                      </p:cBhvr>
+                                      <p:to>
+                                        <p:strVal val="visible"/>
+                                      </p:to>
+                                    </p:set>
+                                  </p:childTnLst>
+                                </p:cTn>
+                              </p:par>
+                            </p:childTnLst>
+                          </p:cTn>
+                        </p:par>
+                      </p:childTnLst>
+                    </p:cTn>
+                  </p:par>
+                  <p:par>
+                    <p:cTn id="35" fill="hold">
+                      <p:stCondLst>
+                        <p:cond delay="indefinite"/>
+                      </p:stCondLst>
+                      <p:childTnLst>
+                        <p:par>
+                          <p:cTn id="36" fill="hold">
+                            <p:stCondLst>
+                              <p:cond delay="0"/>
+                            </p:stCondLst>
+                            <p:childTnLst>
+                              <p:par>
+                                <p:cTn id="37" presetID="1" presetClass="entr" presetSubtype="0" fill="hold" nodeType="clickEffect">
+                                  <p:stCondLst>
+                                    <p:cond delay="0"/>
+                                  </p:stCondLst>
+                                  <p:childTnLst>
+                                    <p:set>
+                                      <p:cBhvr>
+                                        <p:cTn id="38" dur="1" fill="hold">
+                                          <p:stCondLst>
+                                            <p:cond delay="0"/>
+                                          </p:stCondLst>
+                                        </p:cTn>
+                                        <p:tgtEl>
+                                          <p:spTgt spid="3">
+                                            <p:txEl>
+                                              <p:pRg st="8" end="8"/>
+                                            </p:txEl>
+                                          </p:spTgt>
+                                        </p:tgtEl>
+                                        <p:attrNameLst>
+                                          <p:attrName>style.visibility</p:attrName>
+                                        </p:attrNameLst>
+                                      </p:cBhvr>
+                                      <p:to>
+                                        <p:strVal val="visible"/>
+                                      </p:to>
+                                    </p:set>
+                                  </p:childTnLst>
+                                </p:cTn>
+                              </p:par>
+                            </p:childTnLst>
+                          </p:cTn>
+                        </p:par>
+                      </p:childTnLst>
+                    </p:cTn>
+                  </p:par>
+                </p:childTnLst>
+              </p:cTn>
+              <p:prevCondLst>
+                <p:cond evt="onPrev" delay="0">
+                  <p:tgtEl>
+                    <p:sldTgt/>
+                  </p:tgtEl>
+                </p:cond>
+              </p:prevCondLst>
+              <p:nextCondLst>
+                <p:cond evt="onNext" delay="0">
+                  <p:tgtEl>
+                    <p:sldTgt/>
+                  </p:tgtEl>
+                </p:cond>
+              </p:nextCondLst>
+            </p:seq>
+          </p:childTnLst>
+        </p:cTn>
+      </p:par>
+    </p:tnLst>
+  </p:timing>
 </p:sld>
 </file>
 
@@ -4183,7 +4666,7 @@
             </a:r>
             <a:r>
               <a:rPr lang="en-US" dirty="0" err="1" smtClean="0"/>
-              <a:t>rosu-negru</a:t>
+              <a:t>roșu-negru</a:t>
             </a:r>
             <a:endParaRPr lang="en-US" dirty="0" smtClean="0"/>
           </a:p>
@@ -4229,8 +4712,16 @@
           <a:p>
             <a:pPr lvl="1"/>
             <a:r>
-              <a:rPr lang="en-US" dirty="0" smtClean="0"/>
-              <a:t>Find </a:t>
+              <a:rPr lang="en-US" i="1" dirty="0"/>
+              <a:t>f</a:t>
+            </a:r>
+            <a:r>
+              <a:rPr lang="en-US" i="1" dirty="0" smtClean="0"/>
+              <a:t>ind()</a:t>
+            </a:r>
+            <a:r>
+              <a:rPr lang="en-US" dirty="0" smtClean="0"/>
+              <a:t> </a:t>
             </a:r>
             <a:r>
               <a:rPr lang="en-US" dirty="0" err="1" smtClean="0"/>
@@ -4389,6 +4880,428 @@
   <p:clrMapOvr>
     <a:masterClrMapping/>
   </p:clrMapOvr>
+  <p:timing>
+    <p:tnLst>
+      <p:par>
+        <p:cTn xmlns:p14="http://schemas.microsoft.com/office/powerpoint/2010/main" id="1" dur="indefinite" restart="never" nodeType="tmRoot">
+          <p:childTnLst>
+            <p:seq concurrent="1" nextAc="seek">
+              <p:cTn id="2" dur="indefinite" nodeType="mainSeq">
+                <p:childTnLst>
+                  <p:par>
+                    <p:cTn id="3" fill="hold">
+                      <p:stCondLst>
+                        <p:cond delay="indefinite"/>
+                      </p:stCondLst>
+                      <p:childTnLst>
+                        <p:par>
+                          <p:cTn id="4" fill="hold">
+                            <p:stCondLst>
+                              <p:cond delay="0"/>
+                            </p:stCondLst>
+                            <p:childTnLst>
+                              <p:par>
+                                <p:cTn id="5" presetID="1" presetClass="entr" presetSubtype="0" fill="hold" nodeType="clickEffect">
+                                  <p:stCondLst>
+                                    <p:cond delay="0"/>
+                                  </p:stCondLst>
+                                  <p:childTnLst>
+                                    <p:set>
+                                      <p:cBhvr>
+                                        <p:cTn id="6" dur="1" fill="hold">
+                                          <p:stCondLst>
+                                            <p:cond delay="0"/>
+                                          </p:stCondLst>
+                                        </p:cTn>
+                                        <p:tgtEl>
+                                          <p:spTgt spid="3">
+                                            <p:txEl>
+                                              <p:pRg st="0" end="0"/>
+                                            </p:txEl>
+                                          </p:spTgt>
+                                        </p:tgtEl>
+                                        <p:attrNameLst>
+                                          <p:attrName>style.visibility</p:attrName>
+                                        </p:attrNameLst>
+                                      </p:cBhvr>
+                                      <p:to>
+                                        <p:strVal val="visible"/>
+                                      </p:to>
+                                    </p:set>
+                                  </p:childTnLst>
+                                </p:cTn>
+                              </p:par>
+                            </p:childTnLst>
+                          </p:cTn>
+                        </p:par>
+                      </p:childTnLst>
+                    </p:cTn>
+                  </p:par>
+                  <p:par>
+                    <p:cTn id="7" fill="hold">
+                      <p:stCondLst>
+                        <p:cond delay="indefinite"/>
+                      </p:stCondLst>
+                      <p:childTnLst>
+                        <p:par>
+                          <p:cTn id="8" fill="hold">
+                            <p:stCondLst>
+                              <p:cond delay="0"/>
+                            </p:stCondLst>
+                            <p:childTnLst>
+                              <p:par>
+                                <p:cTn id="9" presetID="1" presetClass="entr" presetSubtype="0" fill="hold" nodeType="clickEffect">
+                                  <p:stCondLst>
+                                    <p:cond delay="0"/>
+                                  </p:stCondLst>
+                                  <p:childTnLst>
+                                    <p:set>
+                                      <p:cBhvr>
+                                        <p:cTn id="10" dur="1" fill="hold">
+                                          <p:stCondLst>
+                                            <p:cond delay="0"/>
+                                          </p:stCondLst>
+                                        </p:cTn>
+                                        <p:tgtEl>
+                                          <p:spTgt spid="3">
+                                            <p:txEl>
+                                              <p:pRg st="1" end="1"/>
+                                            </p:txEl>
+                                          </p:spTgt>
+                                        </p:tgtEl>
+                                        <p:attrNameLst>
+                                          <p:attrName>style.visibility</p:attrName>
+                                        </p:attrNameLst>
+                                      </p:cBhvr>
+                                      <p:to>
+                                        <p:strVal val="visible"/>
+                                      </p:to>
+                                    </p:set>
+                                  </p:childTnLst>
+                                </p:cTn>
+                              </p:par>
+                            </p:childTnLst>
+                          </p:cTn>
+                        </p:par>
+                      </p:childTnLst>
+                    </p:cTn>
+                  </p:par>
+                  <p:par>
+                    <p:cTn id="11" fill="hold">
+                      <p:stCondLst>
+                        <p:cond delay="indefinite"/>
+                      </p:stCondLst>
+                      <p:childTnLst>
+                        <p:par>
+                          <p:cTn id="12" fill="hold">
+                            <p:stCondLst>
+                              <p:cond delay="0"/>
+                            </p:stCondLst>
+                            <p:childTnLst>
+                              <p:par>
+                                <p:cTn id="13" presetID="1" presetClass="entr" presetSubtype="0" fill="hold" nodeType="clickEffect">
+                                  <p:stCondLst>
+                                    <p:cond delay="0"/>
+                                  </p:stCondLst>
+                                  <p:childTnLst>
+                                    <p:set>
+                                      <p:cBhvr>
+                                        <p:cTn id="14" dur="1" fill="hold">
+                                          <p:stCondLst>
+                                            <p:cond delay="0"/>
+                                          </p:stCondLst>
+                                        </p:cTn>
+                                        <p:tgtEl>
+                                          <p:spTgt spid="3">
+                                            <p:txEl>
+                                              <p:pRg st="2" end="2"/>
+                                            </p:txEl>
+                                          </p:spTgt>
+                                        </p:tgtEl>
+                                        <p:attrNameLst>
+                                          <p:attrName>style.visibility</p:attrName>
+                                        </p:attrNameLst>
+                                      </p:cBhvr>
+                                      <p:to>
+                                        <p:strVal val="visible"/>
+                                      </p:to>
+                                    </p:set>
+                                  </p:childTnLst>
+                                </p:cTn>
+                              </p:par>
+                            </p:childTnLst>
+                          </p:cTn>
+                        </p:par>
+                      </p:childTnLst>
+                    </p:cTn>
+                  </p:par>
+                  <p:par>
+                    <p:cTn id="15" fill="hold">
+                      <p:stCondLst>
+                        <p:cond delay="indefinite"/>
+                      </p:stCondLst>
+                      <p:childTnLst>
+                        <p:par>
+                          <p:cTn id="16" fill="hold">
+                            <p:stCondLst>
+                              <p:cond delay="0"/>
+                            </p:stCondLst>
+                            <p:childTnLst>
+                              <p:par>
+                                <p:cTn id="17" presetID="1" presetClass="entr" presetSubtype="0" fill="hold" nodeType="clickEffect">
+                                  <p:stCondLst>
+                                    <p:cond delay="0"/>
+                                  </p:stCondLst>
+                                  <p:childTnLst>
+                                    <p:set>
+                                      <p:cBhvr>
+                                        <p:cTn id="18" dur="1" fill="hold">
+                                          <p:stCondLst>
+                                            <p:cond delay="0"/>
+                                          </p:stCondLst>
+                                        </p:cTn>
+                                        <p:tgtEl>
+                                          <p:spTgt spid="3">
+                                            <p:txEl>
+                                              <p:pRg st="3" end="3"/>
+                                            </p:txEl>
+                                          </p:spTgt>
+                                        </p:tgtEl>
+                                        <p:attrNameLst>
+                                          <p:attrName>style.visibility</p:attrName>
+                                        </p:attrNameLst>
+                                      </p:cBhvr>
+                                      <p:to>
+                                        <p:strVal val="visible"/>
+                                      </p:to>
+                                    </p:set>
+                                  </p:childTnLst>
+                                </p:cTn>
+                              </p:par>
+                            </p:childTnLst>
+                          </p:cTn>
+                        </p:par>
+                      </p:childTnLst>
+                    </p:cTn>
+                  </p:par>
+                  <p:par>
+                    <p:cTn id="19" fill="hold">
+                      <p:stCondLst>
+                        <p:cond delay="indefinite"/>
+                      </p:stCondLst>
+                      <p:childTnLst>
+                        <p:par>
+                          <p:cTn id="20" fill="hold">
+                            <p:stCondLst>
+                              <p:cond delay="0"/>
+                            </p:stCondLst>
+                            <p:childTnLst>
+                              <p:par>
+                                <p:cTn id="21" presetID="1" presetClass="entr" presetSubtype="0" fill="hold" nodeType="clickEffect">
+                                  <p:stCondLst>
+                                    <p:cond delay="0"/>
+                                  </p:stCondLst>
+                                  <p:childTnLst>
+                                    <p:set>
+                                      <p:cBhvr>
+                                        <p:cTn id="22" dur="1" fill="hold">
+                                          <p:stCondLst>
+                                            <p:cond delay="0"/>
+                                          </p:stCondLst>
+                                        </p:cTn>
+                                        <p:tgtEl>
+                                          <p:spTgt spid="3">
+                                            <p:txEl>
+                                              <p:pRg st="4" end="4"/>
+                                            </p:txEl>
+                                          </p:spTgt>
+                                        </p:tgtEl>
+                                        <p:attrNameLst>
+                                          <p:attrName>style.visibility</p:attrName>
+                                        </p:attrNameLst>
+                                      </p:cBhvr>
+                                      <p:to>
+                                        <p:strVal val="visible"/>
+                                      </p:to>
+                                    </p:set>
+                                  </p:childTnLst>
+                                </p:cTn>
+                              </p:par>
+                            </p:childTnLst>
+                          </p:cTn>
+                        </p:par>
+                      </p:childTnLst>
+                    </p:cTn>
+                  </p:par>
+                  <p:par>
+                    <p:cTn id="23" fill="hold">
+                      <p:stCondLst>
+                        <p:cond delay="indefinite"/>
+                      </p:stCondLst>
+                      <p:childTnLst>
+                        <p:par>
+                          <p:cTn id="24" fill="hold">
+                            <p:stCondLst>
+                              <p:cond delay="0"/>
+                            </p:stCondLst>
+                            <p:childTnLst>
+                              <p:par>
+                                <p:cTn id="25" presetID="1" presetClass="entr" presetSubtype="0" fill="hold" nodeType="clickEffect">
+                                  <p:stCondLst>
+                                    <p:cond delay="0"/>
+                                  </p:stCondLst>
+                                  <p:childTnLst>
+                                    <p:set>
+                                      <p:cBhvr>
+                                        <p:cTn id="26" dur="1" fill="hold">
+                                          <p:stCondLst>
+                                            <p:cond delay="0"/>
+                                          </p:stCondLst>
+                                        </p:cTn>
+                                        <p:tgtEl>
+                                          <p:spTgt spid="3">
+                                            <p:txEl>
+                                              <p:pRg st="5" end="5"/>
+                                            </p:txEl>
+                                          </p:spTgt>
+                                        </p:tgtEl>
+                                        <p:attrNameLst>
+                                          <p:attrName>style.visibility</p:attrName>
+                                        </p:attrNameLst>
+                                      </p:cBhvr>
+                                      <p:to>
+                                        <p:strVal val="visible"/>
+                                      </p:to>
+                                    </p:set>
+                                  </p:childTnLst>
+                                </p:cTn>
+                              </p:par>
+                            </p:childTnLst>
+                          </p:cTn>
+                        </p:par>
+                      </p:childTnLst>
+                    </p:cTn>
+                  </p:par>
+                  <p:par>
+                    <p:cTn id="27" fill="hold">
+                      <p:stCondLst>
+                        <p:cond delay="indefinite"/>
+                      </p:stCondLst>
+                      <p:childTnLst>
+                        <p:par>
+                          <p:cTn id="28" fill="hold">
+                            <p:stCondLst>
+                              <p:cond delay="0"/>
+                            </p:stCondLst>
+                            <p:childTnLst>
+                              <p:par>
+                                <p:cTn id="29" presetID="1" presetClass="entr" presetSubtype="0" fill="hold" nodeType="clickEffect">
+                                  <p:stCondLst>
+                                    <p:cond delay="0"/>
+                                  </p:stCondLst>
+                                  <p:childTnLst>
+                                    <p:set>
+                                      <p:cBhvr>
+                                        <p:cTn id="30" dur="1" fill="hold">
+                                          <p:stCondLst>
+                                            <p:cond delay="0"/>
+                                          </p:stCondLst>
+                                        </p:cTn>
+                                        <p:tgtEl>
+                                          <p:spTgt spid="3">
+                                            <p:txEl>
+                                              <p:pRg st="6" end="6"/>
+                                            </p:txEl>
+                                          </p:spTgt>
+                                        </p:tgtEl>
+                                        <p:attrNameLst>
+                                          <p:attrName>style.visibility</p:attrName>
+                                        </p:attrNameLst>
+                                      </p:cBhvr>
+                                      <p:to>
+                                        <p:strVal val="visible"/>
+                                      </p:to>
+                                    </p:set>
+                                  </p:childTnLst>
+                                </p:cTn>
+                              </p:par>
+                            </p:childTnLst>
+                          </p:cTn>
+                        </p:par>
+                      </p:childTnLst>
+                    </p:cTn>
+                  </p:par>
+                  <p:par>
+                    <p:cTn id="31" fill="hold">
+                      <p:stCondLst>
+                        <p:cond delay="indefinite"/>
+                      </p:stCondLst>
+                      <p:childTnLst>
+                        <p:par>
+                          <p:cTn id="32" fill="hold">
+                            <p:stCondLst>
+                              <p:cond delay="0"/>
+                            </p:stCondLst>
+                            <p:childTnLst>
+                              <p:par>
+                                <p:cTn id="33" presetID="1" presetClass="entr" presetSubtype="0" fill="hold" nodeType="clickEffect">
+                                  <p:stCondLst>
+                                    <p:cond delay="0"/>
+                                  </p:stCondLst>
+                                  <p:childTnLst>
+                                    <p:set>
+                                      <p:cBhvr>
+                                        <p:cTn id="34" dur="1" fill="hold">
+                                          <p:stCondLst>
+                                            <p:cond delay="0"/>
+                                          </p:stCondLst>
+                                        </p:cTn>
+                                        <p:tgtEl>
+                                          <p:spTgt spid="3">
+                                            <p:txEl>
+                                              <p:pRg st="7" end="7"/>
+                                            </p:txEl>
+                                          </p:spTgt>
+                                        </p:tgtEl>
+                                        <p:attrNameLst>
+                                          <p:attrName>style.visibility</p:attrName>
+                                        </p:attrNameLst>
+                                      </p:cBhvr>
+                                      <p:to>
+                                        <p:strVal val="visible"/>
+                                      </p:to>
+                                    </p:set>
+                                  </p:childTnLst>
+                                </p:cTn>
+                              </p:par>
+                            </p:childTnLst>
+                          </p:cTn>
+                        </p:par>
+                      </p:childTnLst>
+                    </p:cTn>
+                  </p:par>
+                </p:childTnLst>
+              </p:cTn>
+              <p:prevCondLst>
+                <p:cond evt="onPrev" delay="0">
+                  <p:tgtEl>
+                    <p:sldTgt/>
+                  </p:tgtEl>
+                </p:cond>
+              </p:prevCondLst>
+              <p:nextCondLst>
+                <p:cond evt="onNext" delay="0">
+                  <p:tgtEl>
+                    <p:sldTgt/>
+                  </p:tgtEl>
+                </p:cond>
+              </p:nextCondLst>
+            </p:seq>
+          </p:childTnLst>
+        </p:cTn>
+      </p:par>
+    </p:tnLst>
+  </p:timing>
 </p:sld>
 </file>
 
@@ -4447,9 +5360,15 @@
           <a:bodyPr/>
           <a:lstStyle/>
           <a:p>
+            <a:endParaRPr lang="en-US" dirty="0" smtClean="0"/>
+          </a:p>
+          <a:p>
+            <a:endParaRPr lang="en-US" dirty="0" smtClean="0"/>
+          </a:p>
+          <a:p>
             <a:r>
               <a:rPr lang="en-US" dirty="0" err="1" smtClean="0"/>
-              <a:t>Retine</a:t>
+              <a:t>Reține</a:t>
             </a:r>
             <a:r>
               <a:rPr lang="en-US" dirty="0" smtClean="0"/>
@@ -4539,8 +5458,56 @@
             </a:r>
             <a:r>
               <a:rPr lang="en-US" dirty="0" smtClean="0"/>
-              <a:t>[]</a:t>
-            </a:r>
+              <a:t>[</a:t>
+            </a:r>
+            <a:r>
+              <a:rPr lang="en-US" dirty="0" smtClean="0"/>
+              <a:t>]</a:t>
+            </a:r>
+          </a:p>
+          <a:p>
+            <a:r>
+              <a:rPr lang="en-US" i="1" dirty="0"/>
+              <a:t>m</a:t>
+            </a:r>
+            <a:r>
+              <a:rPr lang="en-US" i="1" dirty="0" smtClean="0"/>
+              <a:t>ap&lt;string, </a:t>
+            </a:r>
+            <a:r>
+              <a:rPr lang="en-US" i="1" dirty="0" err="1" smtClean="0"/>
+              <a:t>int</a:t>
+            </a:r>
+            <a:r>
+              <a:rPr lang="en-US" i="1" dirty="0" smtClean="0"/>
+              <a:t>&gt; m;</a:t>
+            </a:r>
+          </a:p>
+          <a:p>
+            <a:pPr lvl="1"/>
+            <a:r>
+              <a:rPr lang="en-US" i="1" dirty="0"/>
+              <a:t>m</a:t>
+            </a:r>
+            <a:r>
+              <a:rPr lang="en-US" i="1" dirty="0" smtClean="0"/>
+              <a:t>[“</a:t>
+            </a:r>
+            <a:r>
+              <a:rPr lang="en-US" i="1" dirty="0" err="1" smtClean="0"/>
+              <a:t>gigel</a:t>
+            </a:r>
+            <a:r>
+              <a:rPr lang="en-US" i="1" dirty="0" smtClean="0"/>
+              <a:t>”] = 10;</a:t>
+            </a:r>
+          </a:p>
+          <a:p>
+            <a:pPr lvl="1"/>
+            <a:endParaRPr lang="en-US" i="1" dirty="0" smtClean="0"/>
+          </a:p>
+          <a:p>
+            <a:endParaRPr lang="en-US" i="1" dirty="0" smtClean="0"/>
           </a:p>
         </p:txBody>
       </p:sp>
@@ -4577,6 +5544,711 @@
   <p:clrMapOvr>
     <a:masterClrMapping/>
   </p:clrMapOvr>
+  <p:timing>
+    <p:tnLst>
+      <p:par>
+        <p:cTn xmlns:p14="http://schemas.microsoft.com/office/powerpoint/2010/main" id="1" dur="indefinite" restart="never" nodeType="tmRoot">
+          <p:childTnLst>
+            <p:seq concurrent="1" nextAc="seek">
+              <p:cTn id="2" dur="indefinite" nodeType="mainSeq">
+                <p:childTnLst>
+                  <p:par>
+                    <p:cTn id="3" fill="hold">
+                      <p:stCondLst>
+                        <p:cond delay="indefinite"/>
+                      </p:stCondLst>
+                      <p:childTnLst>
+                        <p:par>
+                          <p:cTn id="4" fill="hold">
+                            <p:stCondLst>
+                              <p:cond delay="0"/>
+                            </p:stCondLst>
+                            <p:childTnLst>
+                              <p:par>
+                                <p:cTn id="5" presetID="1" presetClass="entr" presetSubtype="0" fill="hold" nodeType="clickEffect">
+                                  <p:stCondLst>
+                                    <p:cond delay="0"/>
+                                  </p:stCondLst>
+                                  <p:childTnLst>
+                                    <p:set>
+                                      <p:cBhvr>
+                                        <p:cTn id="6" dur="1" fill="hold">
+                                          <p:stCondLst>
+                                            <p:cond delay="0"/>
+                                          </p:stCondLst>
+                                        </p:cTn>
+                                        <p:tgtEl>
+                                          <p:spTgt spid="3">
+                                            <p:txEl>
+                                              <p:pRg st="2" end="2"/>
+                                            </p:txEl>
+                                          </p:spTgt>
+                                        </p:tgtEl>
+                                        <p:attrNameLst>
+                                          <p:attrName>style.visibility</p:attrName>
+                                        </p:attrNameLst>
+                                      </p:cBhvr>
+                                      <p:to>
+                                        <p:strVal val="visible"/>
+                                      </p:to>
+                                    </p:set>
+                                  </p:childTnLst>
+                                </p:cTn>
+                              </p:par>
+                            </p:childTnLst>
+                          </p:cTn>
+                        </p:par>
+                      </p:childTnLst>
+                    </p:cTn>
+                  </p:par>
+                  <p:par>
+                    <p:cTn id="7" fill="hold">
+                      <p:stCondLst>
+                        <p:cond delay="indefinite"/>
+                      </p:stCondLst>
+                      <p:childTnLst>
+                        <p:par>
+                          <p:cTn id="8" fill="hold">
+                            <p:stCondLst>
+                              <p:cond delay="0"/>
+                            </p:stCondLst>
+                            <p:childTnLst>
+                              <p:par>
+                                <p:cTn id="9" presetID="1" presetClass="entr" presetSubtype="0" fill="hold" nodeType="clickEffect">
+                                  <p:stCondLst>
+                                    <p:cond delay="0"/>
+                                  </p:stCondLst>
+                                  <p:childTnLst>
+                                    <p:set>
+                                      <p:cBhvr>
+                                        <p:cTn id="10" dur="1" fill="hold">
+                                          <p:stCondLst>
+                                            <p:cond delay="0"/>
+                                          </p:stCondLst>
+                                        </p:cTn>
+                                        <p:tgtEl>
+                                          <p:spTgt spid="3">
+                                            <p:txEl>
+                                              <p:pRg st="3" end="3"/>
+                                            </p:txEl>
+                                          </p:spTgt>
+                                        </p:tgtEl>
+                                        <p:attrNameLst>
+                                          <p:attrName>style.visibility</p:attrName>
+                                        </p:attrNameLst>
+                                      </p:cBhvr>
+                                      <p:to>
+                                        <p:strVal val="visible"/>
+                                      </p:to>
+                                    </p:set>
+                                  </p:childTnLst>
+                                </p:cTn>
+                              </p:par>
+                            </p:childTnLst>
+                          </p:cTn>
+                        </p:par>
+                      </p:childTnLst>
+                    </p:cTn>
+                  </p:par>
+                  <p:par>
+                    <p:cTn id="11" fill="hold">
+                      <p:stCondLst>
+                        <p:cond delay="indefinite"/>
+                      </p:stCondLst>
+                      <p:childTnLst>
+                        <p:par>
+                          <p:cTn id="12" fill="hold">
+                            <p:stCondLst>
+                              <p:cond delay="0"/>
+                            </p:stCondLst>
+                            <p:childTnLst>
+                              <p:par>
+                                <p:cTn id="13" presetID="1" presetClass="entr" presetSubtype="0" fill="hold" nodeType="clickEffect">
+                                  <p:stCondLst>
+                                    <p:cond delay="0"/>
+                                  </p:stCondLst>
+                                  <p:childTnLst>
+                                    <p:set>
+                                      <p:cBhvr>
+                                        <p:cTn id="14" dur="1" fill="hold">
+                                          <p:stCondLst>
+                                            <p:cond delay="0"/>
+                                          </p:stCondLst>
+                                        </p:cTn>
+                                        <p:tgtEl>
+                                          <p:spTgt spid="3">
+                                            <p:txEl>
+                                              <p:pRg st="4" end="4"/>
+                                            </p:txEl>
+                                          </p:spTgt>
+                                        </p:tgtEl>
+                                        <p:attrNameLst>
+                                          <p:attrName>style.visibility</p:attrName>
+                                        </p:attrNameLst>
+                                      </p:cBhvr>
+                                      <p:to>
+                                        <p:strVal val="visible"/>
+                                      </p:to>
+                                    </p:set>
+                                  </p:childTnLst>
+                                </p:cTn>
+                              </p:par>
+                            </p:childTnLst>
+                          </p:cTn>
+                        </p:par>
+                      </p:childTnLst>
+                    </p:cTn>
+                  </p:par>
+                  <p:par>
+                    <p:cTn id="15" fill="hold">
+                      <p:stCondLst>
+                        <p:cond delay="indefinite"/>
+                      </p:stCondLst>
+                      <p:childTnLst>
+                        <p:par>
+                          <p:cTn id="16" fill="hold">
+                            <p:stCondLst>
+                              <p:cond delay="0"/>
+                            </p:stCondLst>
+                            <p:childTnLst>
+                              <p:par>
+                                <p:cTn id="17" presetID="1" presetClass="entr" presetSubtype="0" fill="hold" nodeType="clickEffect">
+                                  <p:stCondLst>
+                                    <p:cond delay="0"/>
+                                  </p:stCondLst>
+                                  <p:childTnLst>
+                                    <p:set>
+                                      <p:cBhvr>
+                                        <p:cTn id="18" dur="1" fill="hold">
+                                          <p:stCondLst>
+                                            <p:cond delay="0"/>
+                                          </p:stCondLst>
+                                        </p:cTn>
+                                        <p:tgtEl>
+                                          <p:spTgt spid="3">
+                                            <p:txEl>
+                                              <p:pRg st="5" end="5"/>
+                                            </p:txEl>
+                                          </p:spTgt>
+                                        </p:tgtEl>
+                                        <p:attrNameLst>
+                                          <p:attrName>style.visibility</p:attrName>
+                                        </p:attrNameLst>
+                                      </p:cBhvr>
+                                      <p:to>
+                                        <p:strVal val="visible"/>
+                                      </p:to>
+                                    </p:set>
+                                  </p:childTnLst>
+                                </p:cTn>
+                              </p:par>
+                            </p:childTnLst>
+                          </p:cTn>
+                        </p:par>
+                      </p:childTnLst>
+                    </p:cTn>
+                  </p:par>
+                </p:childTnLst>
+              </p:cTn>
+              <p:prevCondLst>
+                <p:cond evt="onPrev" delay="0">
+                  <p:tgtEl>
+                    <p:sldTgt/>
+                  </p:tgtEl>
+                </p:cond>
+              </p:prevCondLst>
+              <p:nextCondLst>
+                <p:cond evt="onNext" delay="0">
+                  <p:tgtEl>
+                    <p:sldTgt/>
+                  </p:tgtEl>
+                </p:cond>
+              </p:nextCondLst>
+            </p:seq>
+          </p:childTnLst>
+        </p:cTn>
+      </p:par>
+    </p:tnLst>
+  </p:timing>
+</p:sld>
+</file>
+
+<file path=ppt/slides/slide13.xml><?xml version="1.0" encoding="utf-8"?>
+<p:sld xmlns:a="http://schemas.openxmlformats.org/drawingml/2006/main" xmlns:r="http://schemas.openxmlformats.org/officeDocument/2006/relationships" xmlns:p="http://schemas.openxmlformats.org/presentationml/2006/main">
+  <p:cSld>
+    <p:spTree>
+      <p:nvGrpSpPr>
+        <p:cNvPr id="1" name=""/>
+        <p:cNvGrpSpPr/>
+        <p:nvPr/>
+      </p:nvGrpSpPr>
+      <p:grpSpPr>
+        <a:xfrm>
+          <a:off x="0" y="0"/>
+          <a:ext cx="0" cy="0"/>
+          <a:chOff x="0" y="0"/>
+          <a:chExt cx="0" cy="0"/>
+        </a:xfrm>
+      </p:grpSpPr>
+      <p:sp>
+        <p:nvSpPr>
+          <p:cNvPr id="2" name="Title 1"/>
+          <p:cNvSpPr>
+            <a:spLocks noGrp="1"/>
+          </p:cNvSpPr>
+          <p:nvPr>
+            <p:ph type="title"/>
+          </p:nvPr>
+        </p:nvSpPr>
+        <p:spPr/>
+        <p:txBody>
+          <a:bodyPr/>
+          <a:lstStyle/>
+          <a:p>
+            <a:r>
+              <a:rPr lang="en-US" dirty="0" err="1" smtClean="0"/>
+              <a:t>Referințe</a:t>
+            </a:r>
+            <a:endParaRPr lang="en-US" dirty="0"/>
+          </a:p>
+        </p:txBody>
+      </p:sp>
+      <p:sp>
+        <p:nvSpPr>
+          <p:cNvPr id="3" name="Content Placeholder 2"/>
+          <p:cNvSpPr>
+            <a:spLocks noGrp="1"/>
+          </p:cNvSpPr>
+          <p:nvPr>
+            <p:ph idx="1"/>
+          </p:nvPr>
+        </p:nvSpPr>
+        <p:spPr/>
+        <p:txBody>
+          <a:bodyPr/>
+          <a:lstStyle/>
+          <a:p>
+            <a:r>
+              <a:rPr lang="en-US" dirty="0" err="1" smtClean="0"/>
+              <a:t>cplusplus.com</a:t>
+            </a:r>
+            <a:r>
+              <a:rPr lang="en-US" dirty="0" smtClean="0"/>
+              <a:t>:</a:t>
+            </a:r>
+          </a:p>
+          <a:p>
+            <a:pPr lvl="1"/>
+            <a:r>
+              <a:rPr lang="en-US" dirty="0">
+                <a:hlinkClick r:id="rId2"/>
+              </a:rPr>
+              <a:t>http://www.cplusplus.com/reference/vector/vector</a:t>
+            </a:r>
+            <a:r>
+              <a:rPr lang="en-US" dirty="0" smtClean="0">
+                <a:hlinkClick r:id="rId2"/>
+              </a:rPr>
+              <a:t>/</a:t>
+            </a:r>
+            <a:endParaRPr lang="en-US" dirty="0" smtClean="0"/>
+          </a:p>
+          <a:p>
+            <a:pPr lvl="1"/>
+            <a:r>
+              <a:rPr lang="en-US" dirty="0">
+                <a:hlinkClick r:id="rId3"/>
+              </a:rPr>
+              <a:t>http://www.cplusplus.com/reference/string/string</a:t>
+            </a:r>
+            <a:r>
+              <a:rPr lang="en-US" dirty="0" smtClean="0">
+                <a:hlinkClick r:id="rId3"/>
+              </a:rPr>
+              <a:t>/</a:t>
+            </a:r>
+            <a:r>
+              <a:rPr lang="en-US" dirty="0" smtClean="0"/>
+              <a:t> </a:t>
+            </a:r>
+          </a:p>
+          <a:p>
+            <a:pPr lvl="1"/>
+            <a:r>
+              <a:rPr lang="en-US" dirty="0">
+                <a:hlinkClick r:id="rId4"/>
+              </a:rPr>
+              <a:t>http://www.cplusplus.com/reference/set/set</a:t>
+            </a:r>
+            <a:r>
+              <a:rPr lang="en-US" dirty="0" smtClean="0">
+                <a:hlinkClick r:id="rId4"/>
+              </a:rPr>
+              <a:t>/</a:t>
+            </a:r>
+            <a:endParaRPr lang="en-US" dirty="0" smtClean="0"/>
+          </a:p>
+          <a:p>
+            <a:pPr lvl="1"/>
+            <a:r>
+              <a:rPr lang="en-US" dirty="0">
+                <a:hlinkClick r:id="rId5"/>
+              </a:rPr>
+              <a:t>http://www.cplusplus.com/reference/map/map</a:t>
+            </a:r>
+            <a:r>
+              <a:rPr lang="en-US" dirty="0" smtClean="0">
+                <a:hlinkClick r:id="rId5"/>
+              </a:rPr>
+              <a:t>/</a:t>
+            </a:r>
+            <a:endParaRPr lang="en-US" dirty="0" smtClean="0"/>
+          </a:p>
+          <a:p>
+            <a:pPr lvl="1"/>
+            <a:r>
+              <a:rPr lang="en-US" dirty="0" err="1"/>
+              <a:t>ș</a:t>
+            </a:r>
+            <a:r>
+              <a:rPr lang="en-US" dirty="0" err="1" smtClean="0"/>
+              <a:t>i</a:t>
+            </a:r>
+            <a:r>
+              <a:rPr lang="en-US" dirty="0" smtClean="0"/>
+              <a:t> </a:t>
+            </a:r>
+            <a:r>
+              <a:rPr lang="en-US" dirty="0" err="1" smtClean="0"/>
+              <a:t>multe</a:t>
+            </a:r>
+            <a:r>
+              <a:rPr lang="en-US" dirty="0" smtClean="0"/>
+              <a:t> </a:t>
+            </a:r>
+            <a:r>
+              <a:rPr lang="en-US" dirty="0" err="1" smtClean="0"/>
+              <a:t>altele</a:t>
+            </a:r>
+            <a:r>
+              <a:rPr lang="en-US" dirty="0" smtClean="0"/>
+              <a:t>….</a:t>
+            </a:r>
+          </a:p>
+          <a:p>
+            <a:pPr lvl="1"/>
+            <a:endParaRPr lang="en-US" dirty="0"/>
+          </a:p>
+        </p:txBody>
+      </p:sp>
+      <p:sp>
+        <p:nvSpPr>
+          <p:cNvPr id="4" name="Footer Placeholder 3"/>
+          <p:cNvSpPr>
+            <a:spLocks noGrp="1"/>
+          </p:cNvSpPr>
+          <p:nvPr>
+            <p:ph type="ftr" sz="quarter" idx="11"/>
+          </p:nvPr>
+        </p:nvSpPr>
+        <p:spPr/>
+        <p:txBody>
+          <a:bodyPr/>
+          <a:lstStyle/>
+          <a:p>
+            <a:r>
+              <a:rPr lang="en-US" smtClean="0"/>
+              <a:t>curs 13 - STL</a:t>
+            </a:r>
+            <a:endParaRPr lang="en-US"/>
+          </a:p>
+        </p:txBody>
+      </p:sp>
+    </p:spTree>
+    <p:extLst>
+      <p:ext uri="{BB962C8B-B14F-4D97-AF65-F5344CB8AC3E}">
+        <p14:creationId xmlns:p14="http://schemas.microsoft.com/office/powerpoint/2010/main" val="3057790708"/>
+      </p:ext>
+    </p:extLst>
+  </p:cSld>
+  <p:clrMapOvr>
+    <a:masterClrMapping/>
+  </p:clrMapOvr>
+  <p:timing>
+    <p:tnLst>
+      <p:par>
+        <p:cTn xmlns:p14="http://schemas.microsoft.com/office/powerpoint/2010/main" id="1" dur="indefinite" restart="never" nodeType="tmRoot">
+          <p:childTnLst>
+            <p:seq concurrent="1" nextAc="seek">
+              <p:cTn id="2" dur="indefinite" nodeType="mainSeq">
+                <p:childTnLst>
+                  <p:par>
+                    <p:cTn id="3" fill="hold">
+                      <p:stCondLst>
+                        <p:cond delay="indefinite"/>
+                      </p:stCondLst>
+                      <p:childTnLst>
+                        <p:par>
+                          <p:cTn id="4" fill="hold">
+                            <p:stCondLst>
+                              <p:cond delay="0"/>
+                            </p:stCondLst>
+                            <p:childTnLst>
+                              <p:par>
+                                <p:cTn id="5" presetID="1" presetClass="entr" presetSubtype="0" fill="hold" nodeType="clickEffect">
+                                  <p:stCondLst>
+                                    <p:cond delay="0"/>
+                                  </p:stCondLst>
+                                  <p:childTnLst>
+                                    <p:set>
+                                      <p:cBhvr>
+                                        <p:cTn id="6" dur="1" fill="hold">
+                                          <p:stCondLst>
+                                            <p:cond delay="0"/>
+                                          </p:stCondLst>
+                                        </p:cTn>
+                                        <p:tgtEl>
+                                          <p:spTgt spid="3">
+                                            <p:txEl>
+                                              <p:pRg st="1" end="1"/>
+                                            </p:txEl>
+                                          </p:spTgt>
+                                        </p:tgtEl>
+                                        <p:attrNameLst>
+                                          <p:attrName>style.visibility</p:attrName>
+                                        </p:attrNameLst>
+                                      </p:cBhvr>
+                                      <p:to>
+                                        <p:strVal val="visible"/>
+                                      </p:to>
+                                    </p:set>
+                                  </p:childTnLst>
+                                </p:cTn>
+                              </p:par>
+                            </p:childTnLst>
+                          </p:cTn>
+                        </p:par>
+                      </p:childTnLst>
+                    </p:cTn>
+                  </p:par>
+                  <p:par>
+                    <p:cTn id="7" fill="hold">
+                      <p:stCondLst>
+                        <p:cond delay="indefinite"/>
+                      </p:stCondLst>
+                      <p:childTnLst>
+                        <p:par>
+                          <p:cTn id="8" fill="hold">
+                            <p:stCondLst>
+                              <p:cond delay="0"/>
+                            </p:stCondLst>
+                            <p:childTnLst>
+                              <p:par>
+                                <p:cTn id="9" presetID="1" presetClass="entr" presetSubtype="0" fill="hold" nodeType="clickEffect">
+                                  <p:stCondLst>
+                                    <p:cond delay="0"/>
+                                  </p:stCondLst>
+                                  <p:childTnLst>
+                                    <p:set>
+                                      <p:cBhvr>
+                                        <p:cTn id="10" dur="1" fill="hold">
+                                          <p:stCondLst>
+                                            <p:cond delay="0"/>
+                                          </p:stCondLst>
+                                        </p:cTn>
+                                        <p:tgtEl>
+                                          <p:spTgt spid="3">
+                                            <p:txEl>
+                                              <p:pRg st="2" end="2"/>
+                                            </p:txEl>
+                                          </p:spTgt>
+                                        </p:tgtEl>
+                                        <p:attrNameLst>
+                                          <p:attrName>style.visibility</p:attrName>
+                                        </p:attrNameLst>
+                                      </p:cBhvr>
+                                      <p:to>
+                                        <p:strVal val="visible"/>
+                                      </p:to>
+                                    </p:set>
+                                  </p:childTnLst>
+                                </p:cTn>
+                              </p:par>
+                            </p:childTnLst>
+                          </p:cTn>
+                        </p:par>
+                      </p:childTnLst>
+                    </p:cTn>
+                  </p:par>
+                  <p:par>
+                    <p:cTn id="11" fill="hold">
+                      <p:stCondLst>
+                        <p:cond delay="indefinite"/>
+                      </p:stCondLst>
+                      <p:childTnLst>
+                        <p:par>
+                          <p:cTn id="12" fill="hold">
+                            <p:stCondLst>
+                              <p:cond delay="0"/>
+                            </p:stCondLst>
+                            <p:childTnLst>
+                              <p:par>
+                                <p:cTn id="13" presetID="1" presetClass="entr" presetSubtype="0" fill="hold" nodeType="clickEffect">
+                                  <p:stCondLst>
+                                    <p:cond delay="0"/>
+                                  </p:stCondLst>
+                                  <p:childTnLst>
+                                    <p:set>
+                                      <p:cBhvr>
+                                        <p:cTn id="14" dur="1" fill="hold">
+                                          <p:stCondLst>
+                                            <p:cond delay="0"/>
+                                          </p:stCondLst>
+                                        </p:cTn>
+                                        <p:tgtEl>
+                                          <p:spTgt spid="3">
+                                            <p:txEl>
+                                              <p:pRg st="3" end="3"/>
+                                            </p:txEl>
+                                          </p:spTgt>
+                                        </p:tgtEl>
+                                        <p:attrNameLst>
+                                          <p:attrName>style.visibility</p:attrName>
+                                        </p:attrNameLst>
+                                      </p:cBhvr>
+                                      <p:to>
+                                        <p:strVal val="visible"/>
+                                      </p:to>
+                                    </p:set>
+                                  </p:childTnLst>
+                                </p:cTn>
+                              </p:par>
+                            </p:childTnLst>
+                          </p:cTn>
+                        </p:par>
+                      </p:childTnLst>
+                    </p:cTn>
+                  </p:par>
+                  <p:par>
+                    <p:cTn id="15" fill="hold">
+                      <p:stCondLst>
+                        <p:cond delay="indefinite"/>
+                      </p:stCondLst>
+                      <p:childTnLst>
+                        <p:par>
+                          <p:cTn id="16" fill="hold">
+                            <p:stCondLst>
+                              <p:cond delay="0"/>
+                            </p:stCondLst>
+                            <p:childTnLst>
+                              <p:par>
+                                <p:cTn id="17" presetID="1" presetClass="entr" presetSubtype="0" fill="hold" nodeType="clickEffect">
+                                  <p:stCondLst>
+                                    <p:cond delay="0"/>
+                                  </p:stCondLst>
+                                  <p:childTnLst>
+                                    <p:set>
+                                      <p:cBhvr>
+                                        <p:cTn id="18" dur="1" fill="hold">
+                                          <p:stCondLst>
+                                            <p:cond delay="0"/>
+                                          </p:stCondLst>
+                                        </p:cTn>
+                                        <p:tgtEl>
+                                          <p:spTgt spid="3">
+                                            <p:txEl>
+                                              <p:pRg st="4" end="4"/>
+                                            </p:txEl>
+                                          </p:spTgt>
+                                        </p:tgtEl>
+                                        <p:attrNameLst>
+                                          <p:attrName>style.visibility</p:attrName>
+                                        </p:attrNameLst>
+                                      </p:cBhvr>
+                                      <p:to>
+                                        <p:strVal val="visible"/>
+                                      </p:to>
+                                    </p:set>
+                                  </p:childTnLst>
+                                </p:cTn>
+                              </p:par>
+                            </p:childTnLst>
+                          </p:cTn>
+                        </p:par>
+                      </p:childTnLst>
+                    </p:cTn>
+                  </p:par>
+                  <p:par>
+                    <p:cTn id="19" fill="hold">
+                      <p:stCondLst>
+                        <p:cond delay="indefinite"/>
+                      </p:stCondLst>
+                      <p:childTnLst>
+                        <p:par>
+                          <p:cTn id="20" fill="hold">
+                            <p:stCondLst>
+                              <p:cond delay="0"/>
+                            </p:stCondLst>
+                            <p:childTnLst>
+                              <p:par>
+                                <p:cTn id="21" presetID="1" presetClass="entr" presetSubtype="0" fill="hold" nodeType="clickEffect">
+                                  <p:stCondLst>
+                                    <p:cond delay="0"/>
+                                  </p:stCondLst>
+                                  <p:childTnLst>
+                                    <p:set>
+                                      <p:cBhvr>
+                                        <p:cTn id="22" dur="1" fill="hold">
+                                          <p:stCondLst>
+                                            <p:cond delay="0"/>
+                                          </p:stCondLst>
+                                        </p:cTn>
+                                        <p:tgtEl>
+                                          <p:spTgt spid="3">
+                                            <p:txEl>
+                                              <p:pRg st="5" end="5"/>
+                                            </p:txEl>
+                                          </p:spTgt>
+                                        </p:tgtEl>
+                                        <p:attrNameLst>
+                                          <p:attrName>style.visibility</p:attrName>
+                                        </p:attrNameLst>
+                                      </p:cBhvr>
+                                      <p:to>
+                                        <p:strVal val="visible"/>
+                                      </p:to>
+                                    </p:set>
+                                  </p:childTnLst>
+                                </p:cTn>
+                              </p:par>
+                            </p:childTnLst>
+                          </p:cTn>
+                        </p:par>
+                      </p:childTnLst>
+                    </p:cTn>
+                  </p:par>
+                </p:childTnLst>
+              </p:cTn>
+              <p:prevCondLst>
+                <p:cond evt="onPrev" delay="0">
+                  <p:tgtEl>
+                    <p:sldTgt/>
+                  </p:tgtEl>
+                </p:cond>
+              </p:prevCondLst>
+              <p:nextCondLst>
+                <p:cond evt="onNext" delay="0">
+                  <p:tgtEl>
+                    <p:sldTgt/>
+                  </p:tgtEl>
+                </p:cond>
+              </p:nextCondLst>
+            </p:seq>
+          </p:childTnLst>
+        </p:cTn>
+      </p:par>
+    </p:tnLst>
+  </p:timing>
 </p:sld>
 </file>
 
@@ -4635,6 +6307,12 @@
           <a:bodyPr/>
           <a:lstStyle/>
           <a:p>
+            <a:endParaRPr lang="en-US" dirty="0" smtClean="0"/>
+          </a:p>
+          <a:p>
+            <a:endParaRPr lang="en-US" dirty="0"/>
+          </a:p>
+          <a:p>
             <a:r>
               <a:rPr lang="en-US" dirty="0" err="1" smtClean="0"/>
               <a:t>Structuri</a:t>
@@ -4644,8 +6322,12 @@
               <a:t> de date </a:t>
             </a:r>
             <a:r>
+              <a:rPr lang="en-US" dirty="0" err="1"/>
+              <a:t>ș</a:t>
+            </a:r>
+            <a:r>
               <a:rPr lang="en-US" dirty="0" err="1" smtClean="0"/>
-              <a:t>si</a:t>
+              <a:t>i</a:t>
             </a:r>
             <a:r>
               <a:rPr lang="en-US" dirty="0" smtClean="0"/>
@@ -4669,14 +6351,14 @@
             </a:r>
             <a:r>
               <a:rPr lang="en-US" dirty="0" err="1" smtClean="0"/>
-              <a:t>implementati</a:t>
+              <a:t>implementați</a:t>
             </a:r>
             <a:endParaRPr lang="en-US" dirty="0" smtClean="0"/>
           </a:p>
           <a:p>
             <a:r>
               <a:rPr lang="en-US" dirty="0" err="1" smtClean="0"/>
-              <a:t>Usureaza</a:t>
+              <a:t>Ușurează</a:t>
             </a:r>
             <a:r>
               <a:rPr lang="en-US" dirty="0" smtClean="0"/>
@@ -4691,7 +6373,7 @@
           <a:p>
             <a:r>
               <a:rPr lang="en-US" dirty="0" err="1" smtClean="0"/>
-              <a:t>Necesita</a:t>
+              <a:t>Necesită</a:t>
             </a:r>
             <a:r>
               <a:rPr lang="en-US" dirty="0" smtClean="0"/>
@@ -4699,7 +6381,7 @@
             </a:r>
             <a:r>
               <a:rPr lang="en-US" dirty="0" err="1" smtClean="0"/>
-              <a:t>cunoastere</a:t>
+              <a:t>cunoaștere</a:t>
             </a:r>
             <a:r>
               <a:rPr lang="en-US" dirty="0" smtClean="0"/>
@@ -4715,7 +6397,7 @@
             </a:r>
             <a:r>
               <a:rPr lang="en-US" dirty="0" err="1" smtClean="0"/>
-              <a:t>buna</a:t>
+              <a:t>bună</a:t>
             </a:r>
             <a:endParaRPr lang="en-US" dirty="0" smtClean="0"/>
           </a:p>
@@ -4777,6 +6459,232 @@
   <p:clrMapOvr>
     <a:masterClrMapping/>
   </p:clrMapOvr>
+  <p:timing>
+    <p:tnLst>
+      <p:par>
+        <p:cTn xmlns:p14="http://schemas.microsoft.com/office/powerpoint/2010/main" id="1" dur="indefinite" restart="never" nodeType="tmRoot">
+          <p:childTnLst>
+            <p:seq concurrent="1" nextAc="seek">
+              <p:cTn id="2" dur="indefinite" nodeType="mainSeq">
+                <p:childTnLst>
+                  <p:par>
+                    <p:cTn id="3" fill="hold">
+                      <p:stCondLst>
+                        <p:cond delay="indefinite"/>
+                      </p:stCondLst>
+                      <p:childTnLst>
+                        <p:par>
+                          <p:cTn id="4" fill="hold">
+                            <p:stCondLst>
+                              <p:cond delay="0"/>
+                            </p:stCondLst>
+                            <p:childTnLst>
+                              <p:par>
+                                <p:cTn id="5" presetID="1" presetClass="entr" presetSubtype="0" fill="hold" nodeType="clickEffect">
+                                  <p:stCondLst>
+                                    <p:cond delay="0"/>
+                                  </p:stCondLst>
+                                  <p:childTnLst>
+                                    <p:set>
+                                      <p:cBhvr>
+                                        <p:cTn id="6" dur="1" fill="hold">
+                                          <p:stCondLst>
+                                            <p:cond delay="0"/>
+                                          </p:stCondLst>
+                                        </p:cTn>
+                                        <p:tgtEl>
+                                          <p:spTgt spid="3">
+                                            <p:txEl>
+                                              <p:pRg st="2" end="2"/>
+                                            </p:txEl>
+                                          </p:spTgt>
+                                        </p:tgtEl>
+                                        <p:attrNameLst>
+                                          <p:attrName>style.visibility</p:attrName>
+                                        </p:attrNameLst>
+                                      </p:cBhvr>
+                                      <p:to>
+                                        <p:strVal val="visible"/>
+                                      </p:to>
+                                    </p:set>
+                                  </p:childTnLst>
+                                </p:cTn>
+                              </p:par>
+                            </p:childTnLst>
+                          </p:cTn>
+                        </p:par>
+                      </p:childTnLst>
+                    </p:cTn>
+                  </p:par>
+                  <p:par>
+                    <p:cTn id="7" fill="hold">
+                      <p:stCondLst>
+                        <p:cond delay="indefinite"/>
+                      </p:stCondLst>
+                      <p:childTnLst>
+                        <p:par>
+                          <p:cTn id="8" fill="hold">
+                            <p:stCondLst>
+                              <p:cond delay="0"/>
+                            </p:stCondLst>
+                            <p:childTnLst>
+                              <p:par>
+                                <p:cTn id="9" presetID="1" presetClass="entr" presetSubtype="0" fill="hold" nodeType="clickEffect">
+                                  <p:stCondLst>
+                                    <p:cond delay="0"/>
+                                  </p:stCondLst>
+                                  <p:childTnLst>
+                                    <p:set>
+                                      <p:cBhvr>
+                                        <p:cTn id="10" dur="1" fill="hold">
+                                          <p:stCondLst>
+                                            <p:cond delay="0"/>
+                                          </p:stCondLst>
+                                        </p:cTn>
+                                        <p:tgtEl>
+                                          <p:spTgt spid="3">
+                                            <p:txEl>
+                                              <p:pRg st="3" end="3"/>
+                                            </p:txEl>
+                                          </p:spTgt>
+                                        </p:tgtEl>
+                                        <p:attrNameLst>
+                                          <p:attrName>style.visibility</p:attrName>
+                                        </p:attrNameLst>
+                                      </p:cBhvr>
+                                      <p:to>
+                                        <p:strVal val="visible"/>
+                                      </p:to>
+                                    </p:set>
+                                  </p:childTnLst>
+                                </p:cTn>
+                              </p:par>
+                            </p:childTnLst>
+                          </p:cTn>
+                        </p:par>
+                      </p:childTnLst>
+                    </p:cTn>
+                  </p:par>
+                  <p:par>
+                    <p:cTn id="11" fill="hold">
+                      <p:stCondLst>
+                        <p:cond delay="indefinite"/>
+                      </p:stCondLst>
+                      <p:childTnLst>
+                        <p:par>
+                          <p:cTn id="12" fill="hold">
+                            <p:stCondLst>
+                              <p:cond delay="0"/>
+                            </p:stCondLst>
+                            <p:childTnLst>
+                              <p:par>
+                                <p:cTn id="13" presetID="1" presetClass="entr" presetSubtype="0" fill="hold" nodeType="clickEffect">
+                                  <p:stCondLst>
+                                    <p:cond delay="0"/>
+                                  </p:stCondLst>
+                                  <p:childTnLst>
+                                    <p:set>
+                                      <p:cBhvr>
+                                        <p:cTn id="14" dur="1" fill="hold">
+                                          <p:stCondLst>
+                                            <p:cond delay="0"/>
+                                          </p:stCondLst>
+                                        </p:cTn>
+                                        <p:tgtEl>
+                                          <p:spTgt spid="3">
+                                            <p:txEl>
+                                              <p:pRg st="4" end="4"/>
+                                            </p:txEl>
+                                          </p:spTgt>
+                                        </p:tgtEl>
+                                        <p:attrNameLst>
+                                          <p:attrName>style.visibility</p:attrName>
+                                        </p:attrNameLst>
+                                      </p:cBhvr>
+                                      <p:to>
+                                        <p:strVal val="visible"/>
+                                      </p:to>
+                                    </p:set>
+                                  </p:childTnLst>
+                                </p:cTn>
+                              </p:par>
+                            </p:childTnLst>
+                          </p:cTn>
+                        </p:par>
+                      </p:childTnLst>
+                    </p:cTn>
+                  </p:par>
+                  <p:par>
+                    <p:cTn id="15" fill="hold">
+                      <p:stCondLst>
+                        <p:cond delay="indefinite"/>
+                      </p:stCondLst>
+                      <p:childTnLst>
+                        <p:par>
+                          <p:cTn id="16" fill="hold">
+                            <p:stCondLst>
+                              <p:cond delay="0"/>
+                            </p:stCondLst>
+                            <p:childTnLst>
+                              <p:par>
+                                <p:cTn id="17" presetID="1" presetClass="entr" presetSubtype="0" fill="hold" nodeType="clickEffect">
+                                  <p:stCondLst>
+                                    <p:cond delay="0"/>
+                                  </p:stCondLst>
+                                  <p:childTnLst>
+                                    <p:set>
+                                      <p:cBhvr>
+                                        <p:cTn id="18" dur="1" fill="hold">
+                                          <p:stCondLst>
+                                            <p:cond delay="0"/>
+                                          </p:stCondLst>
+                                        </p:cTn>
+                                        <p:tgtEl>
+                                          <p:spTgt spid="3">
+                                            <p:txEl>
+                                              <p:pRg st="5" end="5"/>
+                                            </p:txEl>
+                                          </p:spTgt>
+                                        </p:tgtEl>
+                                        <p:attrNameLst>
+                                          <p:attrName>style.visibility</p:attrName>
+                                        </p:attrNameLst>
+                                      </p:cBhvr>
+                                      <p:to>
+                                        <p:strVal val="visible"/>
+                                      </p:to>
+                                    </p:set>
+                                  </p:childTnLst>
+                                </p:cTn>
+                              </p:par>
+                            </p:childTnLst>
+                          </p:cTn>
+                        </p:par>
+                      </p:childTnLst>
+                    </p:cTn>
+                  </p:par>
+                </p:childTnLst>
+              </p:cTn>
+              <p:prevCondLst>
+                <p:cond evt="onPrev" delay="0">
+                  <p:tgtEl>
+                    <p:sldTgt/>
+                  </p:tgtEl>
+                </p:cond>
+              </p:prevCondLst>
+              <p:nextCondLst>
+                <p:cond evt="onNext" delay="0">
+                  <p:tgtEl>
+                    <p:sldTgt/>
+                  </p:tgtEl>
+                </p:cond>
+              </p:nextCondLst>
+            </p:seq>
+          </p:childTnLst>
+        </p:cTn>
+      </p:par>
+    </p:tnLst>
+  </p:timing>
 </p:sld>
 </file>
 
@@ -4835,82 +6743,89 @@
           <a:bodyPr/>
           <a:lstStyle/>
           <a:p>
+            <a:endParaRPr lang="en-US" dirty="0" smtClean="0"/>
+          </a:p>
+          <a:p>
+            <a:r>
+              <a:rPr lang="en-US" i="1" dirty="0" smtClean="0"/>
+              <a:t>swap(x, y)</a:t>
+            </a:r>
+          </a:p>
+          <a:p>
+            <a:r>
+              <a:rPr lang="en-US" i="1" dirty="0"/>
+              <a:t>m</a:t>
+            </a:r>
+            <a:r>
+              <a:rPr lang="en-US" i="1" dirty="0" smtClean="0"/>
+              <a:t>ax/min(x, y)</a:t>
+            </a:r>
+          </a:p>
+          <a:p>
+            <a:r>
+              <a:rPr lang="en-US" i="1" dirty="0"/>
+              <a:t>s</a:t>
+            </a:r>
+            <a:r>
+              <a:rPr lang="en-US" i="1" dirty="0" smtClean="0"/>
+              <a:t>ort(v + 0, v + n[, comp])</a:t>
+            </a:r>
+          </a:p>
+          <a:p>
+            <a:pPr lvl="1"/>
+            <a:r>
+              <a:rPr lang="en-US" dirty="0" err="1"/>
+              <a:t>e</a:t>
+            </a:r>
+            <a:r>
+              <a:rPr lang="en-US" dirty="0" err="1" smtClean="0"/>
+              <a:t>lementele</a:t>
+            </a:r>
+            <a:r>
+              <a:rPr lang="en-US" dirty="0" smtClean="0"/>
+              <a:t> </a:t>
+            </a:r>
+            <a:r>
+              <a:rPr lang="en-US" dirty="0" err="1" smtClean="0"/>
+              <a:t>lui</a:t>
+            </a:r>
+            <a:r>
+              <a:rPr lang="en-US" dirty="0" smtClean="0"/>
+              <a:t> </a:t>
+            </a:r>
+            <a:r>
+              <a:rPr lang="en-US" i="1" dirty="0" smtClean="0"/>
+              <a:t>v</a:t>
+            </a:r>
+            <a:r>
+              <a:rPr lang="en-US" dirty="0" smtClean="0"/>
+              <a:t> au </a:t>
+            </a:r>
+            <a:r>
+              <a:rPr lang="en-US" dirty="0" err="1" smtClean="0"/>
+              <a:t>supraincarcat</a:t>
+            </a:r>
+            <a:r>
+              <a:rPr lang="en-US" dirty="0" smtClean="0"/>
+              <a:t> </a:t>
+            </a:r>
+            <a:r>
+              <a:rPr lang="en-US" dirty="0" err="1" smtClean="0"/>
+              <a:t>operatorul</a:t>
+            </a:r>
+            <a:r>
+              <a:rPr lang="en-US" dirty="0" smtClean="0"/>
+              <a:t> &lt;</a:t>
+            </a:r>
+          </a:p>
+          <a:p>
+            <a:pPr lvl="1"/>
             <a:r>
               <a:rPr lang="en-US" dirty="0"/>
               <a:t>s</a:t>
             </a:r>
             <a:r>
               <a:rPr lang="en-US" dirty="0" smtClean="0"/>
-              <a:t>wap(x, y)</a:t>
-            </a:r>
-          </a:p>
-          <a:p>
-            <a:r>
-              <a:rPr lang="en-US" dirty="0"/>
-              <a:t>m</a:t>
-            </a:r>
-            <a:r>
-              <a:rPr lang="en-US" dirty="0" smtClean="0"/>
-              <a:t>ax/min(x, y)</a:t>
-            </a:r>
-          </a:p>
-          <a:p>
-            <a:r>
-              <a:rPr lang="en-US" dirty="0"/>
-              <a:t>s</a:t>
-            </a:r>
-            <a:r>
-              <a:rPr lang="en-US" dirty="0" smtClean="0"/>
-              <a:t>ort(v + 0, v + n[, comp])</a:t>
-            </a:r>
-          </a:p>
-          <a:p>
-            <a:pPr lvl="1"/>
-            <a:r>
-              <a:rPr lang="en-US" dirty="0" err="1"/>
-              <a:t>e</a:t>
-            </a:r>
-            <a:r>
-              <a:rPr lang="en-US" dirty="0" err="1" smtClean="0"/>
-              <a:t>lementele</a:t>
-            </a:r>
-            <a:r>
-              <a:rPr lang="en-US" dirty="0" smtClean="0"/>
-              <a:t> </a:t>
-            </a:r>
-            <a:r>
-              <a:rPr lang="en-US" dirty="0" err="1" smtClean="0"/>
-              <a:t>lui</a:t>
-            </a:r>
-            <a:r>
-              <a:rPr lang="en-US" dirty="0" smtClean="0"/>
-              <a:t> v au </a:t>
-            </a:r>
-            <a:r>
-              <a:rPr lang="en-US" dirty="0" err="1" smtClean="0"/>
-              <a:t>supraincarcat</a:t>
-            </a:r>
-            <a:r>
-              <a:rPr lang="en-US" dirty="0" smtClean="0"/>
-              <a:t> </a:t>
-            </a:r>
-            <a:r>
-              <a:rPr lang="en-US" dirty="0" err="1" smtClean="0"/>
-              <a:t>operatorul</a:t>
-            </a:r>
-            <a:r>
-              <a:rPr lang="en-US" dirty="0" smtClean="0"/>
-              <a:t> &lt;</a:t>
-            </a:r>
-          </a:p>
-          <a:p>
-            <a:pPr lvl="1"/>
-            <a:r>
-              <a:rPr lang="en-US" dirty="0"/>
-              <a:t>s</a:t>
-            </a:r>
-            <a:r>
-              <a:rPr lang="en-US" dirty="0" smtClean="0"/>
               <a:t>e </a:t>
             </a:r>
             <a:r>
@@ -4944,18 +6859,18 @@
           </a:p>
           <a:p>
             <a:r>
-              <a:rPr lang="en-US" dirty="0" err="1"/>
+              <a:rPr lang="en-US" i="1" dirty="0" err="1"/>
               <a:t>n</a:t>
             </a:r>
             <a:r>
-              <a:rPr lang="en-US" dirty="0" err="1" smtClean="0"/>
+              <a:rPr lang="en-US" i="1" dirty="0" err="1" smtClean="0"/>
               <a:t>th_element</a:t>
             </a:r>
             <a:r>
-              <a:rPr lang="en-US" dirty="0" smtClean="0"/>
+              <a:rPr lang="en-US" i="1" dirty="0" smtClean="0"/>
               <a:t>(v + 0, v + x, v + n[, comp])</a:t>
             </a:r>
-            <a:endParaRPr lang="en-US" dirty="0"/>
+            <a:endParaRPr lang="en-US" i="1" dirty="0"/>
           </a:p>
         </p:txBody>
       </p:sp>
@@ -4992,6 +6907,330 @@
   <p:clrMapOvr>
     <a:masterClrMapping/>
   </p:clrMapOvr>
+  <p:timing>
+    <p:tnLst>
+      <p:par>
+        <p:cTn xmlns:p14="http://schemas.microsoft.com/office/powerpoint/2010/main" id="1" dur="indefinite" restart="never" nodeType="tmRoot">
+          <p:childTnLst>
+            <p:seq concurrent="1" nextAc="seek">
+              <p:cTn id="2" dur="indefinite" nodeType="mainSeq">
+                <p:childTnLst>
+                  <p:par>
+                    <p:cTn id="3" fill="hold">
+                      <p:stCondLst>
+                        <p:cond delay="indefinite"/>
+                      </p:stCondLst>
+                      <p:childTnLst>
+                        <p:par>
+                          <p:cTn id="4" fill="hold">
+                            <p:stCondLst>
+                              <p:cond delay="0"/>
+                            </p:stCondLst>
+                            <p:childTnLst>
+                              <p:par>
+                                <p:cTn id="5" presetID="1" presetClass="entr" presetSubtype="0" fill="hold" nodeType="clickEffect">
+                                  <p:stCondLst>
+                                    <p:cond delay="0"/>
+                                  </p:stCondLst>
+                                  <p:childTnLst>
+                                    <p:set>
+                                      <p:cBhvr>
+                                        <p:cTn id="6" dur="1" fill="hold">
+                                          <p:stCondLst>
+                                            <p:cond delay="0"/>
+                                          </p:stCondLst>
+                                        </p:cTn>
+                                        <p:tgtEl>
+                                          <p:spTgt spid="3">
+                                            <p:txEl>
+                                              <p:pRg st="1" end="1"/>
+                                            </p:txEl>
+                                          </p:spTgt>
+                                        </p:tgtEl>
+                                        <p:attrNameLst>
+                                          <p:attrName>style.visibility</p:attrName>
+                                        </p:attrNameLst>
+                                      </p:cBhvr>
+                                      <p:to>
+                                        <p:strVal val="visible"/>
+                                      </p:to>
+                                    </p:set>
+                                  </p:childTnLst>
+                                </p:cTn>
+                              </p:par>
+                            </p:childTnLst>
+                          </p:cTn>
+                        </p:par>
+                      </p:childTnLst>
+                    </p:cTn>
+                  </p:par>
+                  <p:par>
+                    <p:cTn id="7" fill="hold">
+                      <p:stCondLst>
+                        <p:cond delay="indefinite"/>
+                      </p:stCondLst>
+                      <p:childTnLst>
+                        <p:par>
+                          <p:cTn id="8" fill="hold">
+                            <p:stCondLst>
+                              <p:cond delay="0"/>
+                            </p:stCondLst>
+                            <p:childTnLst>
+                              <p:par>
+                                <p:cTn id="9" presetID="1" presetClass="entr" presetSubtype="0" fill="hold" nodeType="clickEffect">
+                                  <p:stCondLst>
+                                    <p:cond delay="0"/>
+                                  </p:stCondLst>
+                                  <p:childTnLst>
+                                    <p:set>
+                                      <p:cBhvr>
+                                        <p:cTn id="10" dur="1" fill="hold">
+                                          <p:stCondLst>
+                                            <p:cond delay="0"/>
+                                          </p:stCondLst>
+                                        </p:cTn>
+                                        <p:tgtEl>
+                                          <p:spTgt spid="3">
+                                            <p:txEl>
+                                              <p:pRg st="2" end="2"/>
+                                            </p:txEl>
+                                          </p:spTgt>
+                                        </p:tgtEl>
+                                        <p:attrNameLst>
+                                          <p:attrName>style.visibility</p:attrName>
+                                        </p:attrNameLst>
+                                      </p:cBhvr>
+                                      <p:to>
+                                        <p:strVal val="visible"/>
+                                      </p:to>
+                                    </p:set>
+                                  </p:childTnLst>
+                                </p:cTn>
+                              </p:par>
+                            </p:childTnLst>
+                          </p:cTn>
+                        </p:par>
+                      </p:childTnLst>
+                    </p:cTn>
+                  </p:par>
+                  <p:par>
+                    <p:cTn id="11" fill="hold">
+                      <p:stCondLst>
+                        <p:cond delay="indefinite"/>
+                      </p:stCondLst>
+                      <p:childTnLst>
+                        <p:par>
+                          <p:cTn id="12" fill="hold">
+                            <p:stCondLst>
+                              <p:cond delay="0"/>
+                            </p:stCondLst>
+                            <p:childTnLst>
+                              <p:par>
+                                <p:cTn id="13" presetID="1" presetClass="entr" presetSubtype="0" fill="hold" nodeType="clickEffect">
+                                  <p:stCondLst>
+                                    <p:cond delay="0"/>
+                                  </p:stCondLst>
+                                  <p:childTnLst>
+                                    <p:set>
+                                      <p:cBhvr>
+                                        <p:cTn id="14" dur="1" fill="hold">
+                                          <p:stCondLst>
+                                            <p:cond delay="0"/>
+                                          </p:stCondLst>
+                                        </p:cTn>
+                                        <p:tgtEl>
+                                          <p:spTgt spid="3">
+                                            <p:txEl>
+                                              <p:pRg st="3" end="3"/>
+                                            </p:txEl>
+                                          </p:spTgt>
+                                        </p:tgtEl>
+                                        <p:attrNameLst>
+                                          <p:attrName>style.visibility</p:attrName>
+                                        </p:attrNameLst>
+                                      </p:cBhvr>
+                                      <p:to>
+                                        <p:strVal val="visible"/>
+                                      </p:to>
+                                    </p:set>
+                                  </p:childTnLst>
+                                </p:cTn>
+                              </p:par>
+                            </p:childTnLst>
+                          </p:cTn>
+                        </p:par>
+                      </p:childTnLst>
+                    </p:cTn>
+                  </p:par>
+                  <p:par>
+                    <p:cTn id="15" fill="hold">
+                      <p:stCondLst>
+                        <p:cond delay="indefinite"/>
+                      </p:stCondLst>
+                      <p:childTnLst>
+                        <p:par>
+                          <p:cTn id="16" fill="hold">
+                            <p:stCondLst>
+                              <p:cond delay="0"/>
+                            </p:stCondLst>
+                            <p:childTnLst>
+                              <p:par>
+                                <p:cTn id="17" presetID="1" presetClass="entr" presetSubtype="0" fill="hold" nodeType="clickEffect">
+                                  <p:stCondLst>
+                                    <p:cond delay="0"/>
+                                  </p:stCondLst>
+                                  <p:childTnLst>
+                                    <p:set>
+                                      <p:cBhvr>
+                                        <p:cTn id="18" dur="1" fill="hold">
+                                          <p:stCondLst>
+                                            <p:cond delay="0"/>
+                                          </p:stCondLst>
+                                        </p:cTn>
+                                        <p:tgtEl>
+                                          <p:spTgt spid="3">
+                                            <p:txEl>
+                                              <p:pRg st="4" end="4"/>
+                                            </p:txEl>
+                                          </p:spTgt>
+                                        </p:tgtEl>
+                                        <p:attrNameLst>
+                                          <p:attrName>style.visibility</p:attrName>
+                                        </p:attrNameLst>
+                                      </p:cBhvr>
+                                      <p:to>
+                                        <p:strVal val="visible"/>
+                                      </p:to>
+                                    </p:set>
+                                  </p:childTnLst>
+                                </p:cTn>
+                              </p:par>
+                            </p:childTnLst>
+                          </p:cTn>
+                        </p:par>
+                      </p:childTnLst>
+                    </p:cTn>
+                  </p:par>
+                  <p:par>
+                    <p:cTn id="19" fill="hold">
+                      <p:stCondLst>
+                        <p:cond delay="indefinite"/>
+                      </p:stCondLst>
+                      <p:childTnLst>
+                        <p:par>
+                          <p:cTn id="20" fill="hold">
+                            <p:stCondLst>
+                              <p:cond delay="0"/>
+                            </p:stCondLst>
+                            <p:childTnLst>
+                              <p:par>
+                                <p:cTn id="21" presetID="1" presetClass="entr" presetSubtype="0" fill="hold" nodeType="clickEffect">
+                                  <p:stCondLst>
+                                    <p:cond delay="0"/>
+                                  </p:stCondLst>
+                                  <p:childTnLst>
+                                    <p:set>
+                                      <p:cBhvr>
+                                        <p:cTn id="22" dur="1" fill="hold">
+                                          <p:stCondLst>
+                                            <p:cond delay="0"/>
+                                          </p:stCondLst>
+                                        </p:cTn>
+                                        <p:tgtEl>
+                                          <p:spTgt spid="3">
+                                            <p:txEl>
+                                              <p:pRg st="5" end="5"/>
+                                            </p:txEl>
+                                          </p:spTgt>
+                                        </p:tgtEl>
+                                        <p:attrNameLst>
+                                          <p:attrName>style.visibility</p:attrName>
+                                        </p:attrNameLst>
+                                      </p:cBhvr>
+                                      <p:to>
+                                        <p:strVal val="visible"/>
+                                      </p:to>
+                                    </p:set>
+                                  </p:childTnLst>
+                                </p:cTn>
+                              </p:par>
+                            </p:childTnLst>
+                          </p:cTn>
+                        </p:par>
+                      </p:childTnLst>
+                    </p:cTn>
+                  </p:par>
+                  <p:par>
+                    <p:cTn id="23" fill="hold">
+                      <p:stCondLst>
+                        <p:cond delay="indefinite"/>
+                      </p:stCondLst>
+                      <p:childTnLst>
+                        <p:par>
+                          <p:cTn id="24" fill="hold">
+                            <p:stCondLst>
+                              <p:cond delay="0"/>
+                            </p:stCondLst>
+                            <p:childTnLst>
+                              <p:par>
+                                <p:cTn id="25" presetID="1" presetClass="entr" presetSubtype="0" fill="hold" nodeType="clickEffect">
+                                  <p:stCondLst>
+                                    <p:cond delay="0"/>
+                                  </p:stCondLst>
+                                  <p:childTnLst>
+                                    <p:set>
+                                      <p:cBhvr>
+                                        <p:cTn id="26" dur="1" fill="hold">
+                                          <p:stCondLst>
+                                            <p:cond delay="0"/>
+                                          </p:stCondLst>
+                                        </p:cTn>
+                                        <p:tgtEl>
+                                          <p:spTgt spid="3">
+                                            <p:txEl>
+                                              <p:pRg st="6" end="6"/>
+                                            </p:txEl>
+                                          </p:spTgt>
+                                        </p:tgtEl>
+                                        <p:attrNameLst>
+                                          <p:attrName>style.visibility</p:attrName>
+                                        </p:attrNameLst>
+                                      </p:cBhvr>
+                                      <p:to>
+                                        <p:strVal val="visible"/>
+                                      </p:to>
+                                    </p:set>
+                                  </p:childTnLst>
+                                </p:cTn>
+                              </p:par>
+                            </p:childTnLst>
+                          </p:cTn>
+                        </p:par>
+                      </p:childTnLst>
+                    </p:cTn>
+                  </p:par>
+                </p:childTnLst>
+              </p:cTn>
+              <p:prevCondLst>
+                <p:cond evt="onPrev" delay="0">
+                  <p:tgtEl>
+                    <p:sldTgt/>
+                  </p:tgtEl>
+                </p:cond>
+              </p:prevCondLst>
+              <p:nextCondLst>
+                <p:cond evt="onNext" delay="0">
+                  <p:tgtEl>
+                    <p:sldTgt/>
+                  </p:tgtEl>
+                </p:cond>
+              </p:nextCondLst>
+            </p:seq>
+          </p:childTnLst>
+        </p:cTn>
+      </p:par>
+    </p:tnLst>
+  </p:timing>
 </p:sld>
 </file>
 
@@ -5078,7 +7317,7 @@
             </a:r>
             <a:r>
               <a:rPr lang="en-US" dirty="0" err="1" smtClean="0"/>
-              <a:t>doua</a:t>
+              <a:t>două</a:t>
             </a:r>
             <a:r>
               <a:rPr lang="en-US" dirty="0" smtClean="0"/>
@@ -5094,7 +7333,7 @@
             </a:r>
             <a:r>
               <a:rPr lang="en-US" dirty="0" err="1" smtClean="0"/>
-              <a:t>neaparat</a:t>
+              <a:t>neapărat</a:t>
             </a:r>
             <a:r>
               <a:rPr lang="en-US" dirty="0" smtClean="0"/>
@@ -5102,7 +7341,7 @@
             </a:r>
             <a:r>
               <a:rPr lang="en-US" dirty="0" err="1" smtClean="0"/>
-              <a:t>acelasi</a:t>
+              <a:t>același</a:t>
             </a:r>
             <a:r>
               <a:rPr lang="en-US" dirty="0" smtClean="0"/>
@@ -5181,7 +7420,7 @@
             </a:r>
             <a:r>
               <a:rPr lang="en-US" dirty="0" err="1" smtClean="0"/>
-              <a:t>creaza</a:t>
+              <a:t>crează</a:t>
             </a:r>
             <a:r>
               <a:rPr lang="en-US" dirty="0" smtClean="0"/>
@@ -5223,7 +7462,7 @@
             </a:r>
             <a:r>
               <a:rPr lang="en-US" dirty="0" err="1" smtClean="0"/>
-              <a:t>acceseaza</a:t>
+              <a:t>accesează</a:t>
             </a:r>
             <a:r>
               <a:rPr lang="en-US" dirty="0" smtClean="0"/>
@@ -5321,6 +7560,526 @@
   <p:clrMapOvr>
     <a:masterClrMapping/>
   </p:clrMapOvr>
+  <p:timing>
+    <p:tnLst>
+      <p:par>
+        <p:cTn xmlns:p14="http://schemas.microsoft.com/office/powerpoint/2010/main" id="1" dur="indefinite" restart="never" nodeType="tmRoot">
+          <p:childTnLst>
+            <p:seq concurrent="1" nextAc="seek">
+              <p:cTn id="2" dur="indefinite" nodeType="mainSeq">
+                <p:childTnLst>
+                  <p:par>
+                    <p:cTn id="3" fill="hold">
+                      <p:stCondLst>
+                        <p:cond delay="indefinite"/>
+                      </p:stCondLst>
+                      <p:childTnLst>
+                        <p:par>
+                          <p:cTn id="4" fill="hold">
+                            <p:stCondLst>
+                              <p:cond delay="0"/>
+                            </p:stCondLst>
+                            <p:childTnLst>
+                              <p:par>
+                                <p:cTn id="5" presetID="1" presetClass="entr" presetSubtype="0" fill="hold" nodeType="clickEffect">
+                                  <p:stCondLst>
+                                    <p:cond delay="0"/>
+                                  </p:stCondLst>
+                                  <p:childTnLst>
+                                    <p:set>
+                                      <p:cBhvr>
+                                        <p:cTn id="6" dur="1" fill="hold">
+                                          <p:stCondLst>
+                                            <p:cond delay="0"/>
+                                          </p:stCondLst>
+                                        </p:cTn>
+                                        <p:tgtEl>
+                                          <p:spTgt spid="3">
+                                            <p:txEl>
+                                              <p:pRg st="0" end="0"/>
+                                            </p:txEl>
+                                          </p:spTgt>
+                                        </p:tgtEl>
+                                        <p:attrNameLst>
+                                          <p:attrName>style.visibility</p:attrName>
+                                        </p:attrNameLst>
+                                      </p:cBhvr>
+                                      <p:to>
+                                        <p:strVal val="visible"/>
+                                      </p:to>
+                                    </p:set>
+                                  </p:childTnLst>
+                                </p:cTn>
+                              </p:par>
+                            </p:childTnLst>
+                          </p:cTn>
+                        </p:par>
+                      </p:childTnLst>
+                    </p:cTn>
+                  </p:par>
+                  <p:par>
+                    <p:cTn id="7" fill="hold">
+                      <p:stCondLst>
+                        <p:cond delay="indefinite"/>
+                      </p:stCondLst>
+                      <p:childTnLst>
+                        <p:par>
+                          <p:cTn id="8" fill="hold">
+                            <p:stCondLst>
+                              <p:cond delay="0"/>
+                            </p:stCondLst>
+                            <p:childTnLst>
+                              <p:par>
+                                <p:cTn id="9" presetID="1" presetClass="entr" presetSubtype="0" fill="hold" nodeType="clickEffect">
+                                  <p:stCondLst>
+                                    <p:cond delay="0"/>
+                                  </p:stCondLst>
+                                  <p:childTnLst>
+                                    <p:set>
+                                      <p:cBhvr>
+                                        <p:cTn id="10" dur="1" fill="hold">
+                                          <p:stCondLst>
+                                            <p:cond delay="0"/>
+                                          </p:stCondLst>
+                                        </p:cTn>
+                                        <p:tgtEl>
+                                          <p:spTgt spid="3">
+                                            <p:txEl>
+                                              <p:pRg st="1" end="1"/>
+                                            </p:txEl>
+                                          </p:spTgt>
+                                        </p:tgtEl>
+                                        <p:attrNameLst>
+                                          <p:attrName>style.visibility</p:attrName>
+                                        </p:attrNameLst>
+                                      </p:cBhvr>
+                                      <p:to>
+                                        <p:strVal val="visible"/>
+                                      </p:to>
+                                    </p:set>
+                                  </p:childTnLst>
+                                </p:cTn>
+                              </p:par>
+                            </p:childTnLst>
+                          </p:cTn>
+                        </p:par>
+                      </p:childTnLst>
+                    </p:cTn>
+                  </p:par>
+                  <p:par>
+                    <p:cTn id="11" fill="hold">
+                      <p:stCondLst>
+                        <p:cond delay="indefinite"/>
+                      </p:stCondLst>
+                      <p:childTnLst>
+                        <p:par>
+                          <p:cTn id="12" fill="hold">
+                            <p:stCondLst>
+                              <p:cond delay="0"/>
+                            </p:stCondLst>
+                            <p:childTnLst>
+                              <p:par>
+                                <p:cTn id="13" presetID="1" presetClass="entr" presetSubtype="0" fill="hold" nodeType="clickEffect">
+                                  <p:stCondLst>
+                                    <p:cond delay="0"/>
+                                  </p:stCondLst>
+                                  <p:childTnLst>
+                                    <p:set>
+                                      <p:cBhvr>
+                                        <p:cTn id="14" dur="1" fill="hold">
+                                          <p:stCondLst>
+                                            <p:cond delay="0"/>
+                                          </p:stCondLst>
+                                        </p:cTn>
+                                        <p:tgtEl>
+                                          <p:spTgt spid="3">
+                                            <p:txEl>
+                                              <p:pRg st="2" end="2"/>
+                                            </p:txEl>
+                                          </p:spTgt>
+                                        </p:tgtEl>
+                                        <p:attrNameLst>
+                                          <p:attrName>style.visibility</p:attrName>
+                                        </p:attrNameLst>
+                                      </p:cBhvr>
+                                      <p:to>
+                                        <p:strVal val="visible"/>
+                                      </p:to>
+                                    </p:set>
+                                  </p:childTnLst>
+                                </p:cTn>
+                              </p:par>
+                            </p:childTnLst>
+                          </p:cTn>
+                        </p:par>
+                      </p:childTnLst>
+                    </p:cTn>
+                  </p:par>
+                  <p:par>
+                    <p:cTn id="15" fill="hold">
+                      <p:stCondLst>
+                        <p:cond delay="indefinite"/>
+                      </p:stCondLst>
+                      <p:childTnLst>
+                        <p:par>
+                          <p:cTn id="16" fill="hold">
+                            <p:stCondLst>
+                              <p:cond delay="0"/>
+                            </p:stCondLst>
+                            <p:childTnLst>
+                              <p:par>
+                                <p:cTn id="17" presetID="1" presetClass="entr" presetSubtype="0" fill="hold" nodeType="clickEffect">
+                                  <p:stCondLst>
+                                    <p:cond delay="0"/>
+                                  </p:stCondLst>
+                                  <p:childTnLst>
+                                    <p:set>
+                                      <p:cBhvr>
+                                        <p:cTn id="18" dur="1" fill="hold">
+                                          <p:stCondLst>
+                                            <p:cond delay="0"/>
+                                          </p:stCondLst>
+                                        </p:cTn>
+                                        <p:tgtEl>
+                                          <p:spTgt spid="3">
+                                            <p:txEl>
+                                              <p:pRg st="3" end="3"/>
+                                            </p:txEl>
+                                          </p:spTgt>
+                                        </p:tgtEl>
+                                        <p:attrNameLst>
+                                          <p:attrName>style.visibility</p:attrName>
+                                        </p:attrNameLst>
+                                      </p:cBhvr>
+                                      <p:to>
+                                        <p:strVal val="visible"/>
+                                      </p:to>
+                                    </p:set>
+                                  </p:childTnLst>
+                                </p:cTn>
+                              </p:par>
+                            </p:childTnLst>
+                          </p:cTn>
+                        </p:par>
+                      </p:childTnLst>
+                    </p:cTn>
+                  </p:par>
+                  <p:par>
+                    <p:cTn id="19" fill="hold">
+                      <p:stCondLst>
+                        <p:cond delay="indefinite"/>
+                      </p:stCondLst>
+                      <p:childTnLst>
+                        <p:par>
+                          <p:cTn id="20" fill="hold">
+                            <p:stCondLst>
+                              <p:cond delay="0"/>
+                            </p:stCondLst>
+                            <p:childTnLst>
+                              <p:par>
+                                <p:cTn id="21" presetID="1" presetClass="entr" presetSubtype="0" fill="hold" nodeType="clickEffect">
+                                  <p:stCondLst>
+                                    <p:cond delay="0"/>
+                                  </p:stCondLst>
+                                  <p:childTnLst>
+                                    <p:set>
+                                      <p:cBhvr>
+                                        <p:cTn id="22" dur="1" fill="hold">
+                                          <p:stCondLst>
+                                            <p:cond delay="0"/>
+                                          </p:stCondLst>
+                                        </p:cTn>
+                                        <p:tgtEl>
+                                          <p:spTgt spid="3">
+                                            <p:txEl>
+                                              <p:pRg st="4" end="4"/>
+                                            </p:txEl>
+                                          </p:spTgt>
+                                        </p:tgtEl>
+                                        <p:attrNameLst>
+                                          <p:attrName>style.visibility</p:attrName>
+                                        </p:attrNameLst>
+                                      </p:cBhvr>
+                                      <p:to>
+                                        <p:strVal val="visible"/>
+                                      </p:to>
+                                    </p:set>
+                                  </p:childTnLst>
+                                </p:cTn>
+                              </p:par>
+                            </p:childTnLst>
+                          </p:cTn>
+                        </p:par>
+                      </p:childTnLst>
+                    </p:cTn>
+                  </p:par>
+                  <p:par>
+                    <p:cTn id="23" fill="hold">
+                      <p:stCondLst>
+                        <p:cond delay="indefinite"/>
+                      </p:stCondLst>
+                      <p:childTnLst>
+                        <p:par>
+                          <p:cTn id="24" fill="hold">
+                            <p:stCondLst>
+                              <p:cond delay="0"/>
+                            </p:stCondLst>
+                            <p:childTnLst>
+                              <p:par>
+                                <p:cTn id="25" presetID="1" presetClass="entr" presetSubtype="0" fill="hold" nodeType="clickEffect">
+                                  <p:stCondLst>
+                                    <p:cond delay="0"/>
+                                  </p:stCondLst>
+                                  <p:childTnLst>
+                                    <p:set>
+                                      <p:cBhvr>
+                                        <p:cTn id="26" dur="1" fill="hold">
+                                          <p:stCondLst>
+                                            <p:cond delay="0"/>
+                                          </p:stCondLst>
+                                        </p:cTn>
+                                        <p:tgtEl>
+                                          <p:spTgt spid="3">
+                                            <p:txEl>
+                                              <p:pRg st="5" end="5"/>
+                                            </p:txEl>
+                                          </p:spTgt>
+                                        </p:tgtEl>
+                                        <p:attrNameLst>
+                                          <p:attrName>style.visibility</p:attrName>
+                                        </p:attrNameLst>
+                                      </p:cBhvr>
+                                      <p:to>
+                                        <p:strVal val="visible"/>
+                                      </p:to>
+                                    </p:set>
+                                  </p:childTnLst>
+                                </p:cTn>
+                              </p:par>
+                            </p:childTnLst>
+                          </p:cTn>
+                        </p:par>
+                      </p:childTnLst>
+                    </p:cTn>
+                  </p:par>
+                  <p:par>
+                    <p:cTn id="27" fill="hold">
+                      <p:stCondLst>
+                        <p:cond delay="indefinite"/>
+                      </p:stCondLst>
+                      <p:childTnLst>
+                        <p:par>
+                          <p:cTn id="28" fill="hold">
+                            <p:stCondLst>
+                              <p:cond delay="0"/>
+                            </p:stCondLst>
+                            <p:childTnLst>
+                              <p:par>
+                                <p:cTn id="29" presetID="1" presetClass="entr" presetSubtype="0" fill="hold" nodeType="clickEffect">
+                                  <p:stCondLst>
+                                    <p:cond delay="0"/>
+                                  </p:stCondLst>
+                                  <p:childTnLst>
+                                    <p:set>
+                                      <p:cBhvr>
+                                        <p:cTn id="30" dur="1" fill="hold">
+                                          <p:stCondLst>
+                                            <p:cond delay="0"/>
+                                          </p:stCondLst>
+                                        </p:cTn>
+                                        <p:tgtEl>
+                                          <p:spTgt spid="3">
+                                            <p:txEl>
+                                              <p:pRg st="6" end="6"/>
+                                            </p:txEl>
+                                          </p:spTgt>
+                                        </p:tgtEl>
+                                        <p:attrNameLst>
+                                          <p:attrName>style.visibility</p:attrName>
+                                        </p:attrNameLst>
+                                      </p:cBhvr>
+                                      <p:to>
+                                        <p:strVal val="visible"/>
+                                      </p:to>
+                                    </p:set>
+                                  </p:childTnLst>
+                                </p:cTn>
+                              </p:par>
+                            </p:childTnLst>
+                          </p:cTn>
+                        </p:par>
+                      </p:childTnLst>
+                    </p:cTn>
+                  </p:par>
+                  <p:par>
+                    <p:cTn id="31" fill="hold">
+                      <p:stCondLst>
+                        <p:cond delay="indefinite"/>
+                      </p:stCondLst>
+                      <p:childTnLst>
+                        <p:par>
+                          <p:cTn id="32" fill="hold">
+                            <p:stCondLst>
+                              <p:cond delay="0"/>
+                            </p:stCondLst>
+                            <p:childTnLst>
+                              <p:par>
+                                <p:cTn id="33" presetID="1" presetClass="entr" presetSubtype="0" fill="hold" nodeType="clickEffect">
+                                  <p:stCondLst>
+                                    <p:cond delay="0"/>
+                                  </p:stCondLst>
+                                  <p:childTnLst>
+                                    <p:set>
+                                      <p:cBhvr>
+                                        <p:cTn id="34" dur="1" fill="hold">
+                                          <p:stCondLst>
+                                            <p:cond delay="0"/>
+                                          </p:stCondLst>
+                                        </p:cTn>
+                                        <p:tgtEl>
+                                          <p:spTgt spid="3">
+                                            <p:txEl>
+                                              <p:pRg st="7" end="7"/>
+                                            </p:txEl>
+                                          </p:spTgt>
+                                        </p:tgtEl>
+                                        <p:attrNameLst>
+                                          <p:attrName>style.visibility</p:attrName>
+                                        </p:attrNameLst>
+                                      </p:cBhvr>
+                                      <p:to>
+                                        <p:strVal val="visible"/>
+                                      </p:to>
+                                    </p:set>
+                                  </p:childTnLst>
+                                </p:cTn>
+                              </p:par>
+                            </p:childTnLst>
+                          </p:cTn>
+                        </p:par>
+                      </p:childTnLst>
+                    </p:cTn>
+                  </p:par>
+                  <p:par>
+                    <p:cTn id="35" fill="hold">
+                      <p:stCondLst>
+                        <p:cond delay="indefinite"/>
+                      </p:stCondLst>
+                      <p:childTnLst>
+                        <p:par>
+                          <p:cTn id="36" fill="hold">
+                            <p:stCondLst>
+                              <p:cond delay="0"/>
+                            </p:stCondLst>
+                            <p:childTnLst>
+                              <p:par>
+                                <p:cTn id="37" presetID="1" presetClass="entr" presetSubtype="0" fill="hold" nodeType="clickEffect">
+                                  <p:stCondLst>
+                                    <p:cond delay="0"/>
+                                  </p:stCondLst>
+                                  <p:childTnLst>
+                                    <p:set>
+                                      <p:cBhvr>
+                                        <p:cTn id="38" dur="1" fill="hold">
+                                          <p:stCondLst>
+                                            <p:cond delay="0"/>
+                                          </p:stCondLst>
+                                        </p:cTn>
+                                        <p:tgtEl>
+                                          <p:spTgt spid="3">
+                                            <p:txEl>
+                                              <p:pRg st="8" end="8"/>
+                                            </p:txEl>
+                                          </p:spTgt>
+                                        </p:tgtEl>
+                                        <p:attrNameLst>
+                                          <p:attrName>style.visibility</p:attrName>
+                                        </p:attrNameLst>
+                                      </p:cBhvr>
+                                      <p:to>
+                                        <p:strVal val="visible"/>
+                                      </p:to>
+                                    </p:set>
+                                  </p:childTnLst>
+                                </p:cTn>
+                              </p:par>
+                            </p:childTnLst>
+                          </p:cTn>
+                        </p:par>
+                      </p:childTnLst>
+                    </p:cTn>
+                  </p:par>
+                  <p:par>
+                    <p:cTn id="39" fill="hold">
+                      <p:stCondLst>
+                        <p:cond delay="indefinite"/>
+                      </p:stCondLst>
+                      <p:childTnLst>
+                        <p:par>
+                          <p:cTn id="40" fill="hold">
+                            <p:stCondLst>
+                              <p:cond delay="0"/>
+                            </p:stCondLst>
+                            <p:childTnLst>
+                              <p:par>
+                                <p:cTn id="41" presetID="1" presetClass="entr" presetSubtype="0" fill="hold" nodeType="clickEffect">
+                                  <p:stCondLst>
+                                    <p:cond delay="0"/>
+                                  </p:stCondLst>
+                                  <p:childTnLst>
+                                    <p:set>
+                                      <p:cBhvr>
+                                        <p:cTn id="42" dur="1" fill="hold">
+                                          <p:stCondLst>
+                                            <p:cond delay="0"/>
+                                          </p:stCondLst>
+                                        </p:cTn>
+                                        <p:tgtEl>
+                                          <p:spTgt spid="3">
+                                            <p:txEl>
+                                              <p:pRg st="9" end="9"/>
+                                            </p:txEl>
+                                          </p:spTgt>
+                                        </p:tgtEl>
+                                        <p:attrNameLst>
+                                          <p:attrName>style.visibility</p:attrName>
+                                        </p:attrNameLst>
+                                      </p:cBhvr>
+                                      <p:to>
+                                        <p:strVal val="visible"/>
+                                      </p:to>
+                                    </p:set>
+                                  </p:childTnLst>
+                                </p:cTn>
+                              </p:par>
+                            </p:childTnLst>
+                          </p:cTn>
+                        </p:par>
+                      </p:childTnLst>
+                    </p:cTn>
+                  </p:par>
+                </p:childTnLst>
+              </p:cTn>
+              <p:prevCondLst>
+                <p:cond evt="onPrev" delay="0">
+                  <p:tgtEl>
+                    <p:sldTgt/>
+                  </p:tgtEl>
+                </p:cond>
+              </p:prevCondLst>
+              <p:nextCondLst>
+                <p:cond evt="onNext" delay="0">
+                  <p:tgtEl>
+                    <p:sldTgt/>
+                  </p:tgtEl>
+                </p:cond>
+              </p:nextCondLst>
+            </p:seq>
+          </p:childTnLst>
+        </p:cTn>
+      </p:par>
+    </p:tnLst>
+  </p:timing>
 </p:sld>
 </file>
 
@@ -5393,15 +8152,19 @@
             </a:r>
             <a:r>
               <a:rPr lang="en-US" dirty="0" err="1" smtClean="0"/>
-              <a:t>reprezinta</a:t>
+              <a:t>reprezintă</a:t>
             </a:r>
             <a:r>
               <a:rPr lang="en-US" dirty="0" smtClean="0"/>
               <a:t> </a:t>
             </a:r>
             <a:r>
+              <a:rPr lang="en-US" dirty="0" err="1"/>
+              <a:t>ș</a:t>
+            </a:r>
+            <a:r>
               <a:rPr lang="en-US" dirty="0" err="1" smtClean="0"/>
-              <a:t>siruri</a:t>
+              <a:t>iruri</a:t>
             </a:r>
             <a:r>
               <a:rPr lang="en-US" dirty="0" smtClean="0"/>
@@ -5416,7 +8179,7 @@
           <a:p>
             <a:r>
               <a:rPr lang="en-US" dirty="0" err="1" smtClean="0"/>
-              <a:t>Supraincarcare</a:t>
+              <a:t>Supraîncărcare</a:t>
             </a:r>
             <a:r>
               <a:rPr lang="en-US" dirty="0" smtClean="0"/>
@@ -5564,6 +8327,379 @@
   <p:clrMapOvr>
     <a:masterClrMapping/>
   </p:clrMapOvr>
+  <p:timing>
+    <p:tnLst>
+      <p:par>
+        <p:cTn xmlns:p14="http://schemas.microsoft.com/office/powerpoint/2010/main" id="1" dur="indefinite" restart="never" nodeType="tmRoot">
+          <p:childTnLst>
+            <p:seq concurrent="1" nextAc="seek">
+              <p:cTn id="2" dur="indefinite" nodeType="mainSeq">
+                <p:childTnLst>
+                  <p:par>
+                    <p:cTn id="3" fill="hold">
+                      <p:stCondLst>
+                        <p:cond delay="indefinite"/>
+                      </p:stCondLst>
+                      <p:childTnLst>
+                        <p:par>
+                          <p:cTn id="4" fill="hold">
+                            <p:stCondLst>
+                              <p:cond delay="0"/>
+                            </p:stCondLst>
+                            <p:childTnLst>
+                              <p:par>
+                                <p:cTn id="5" presetID="1" presetClass="entr" presetSubtype="0" fill="hold" nodeType="clickEffect">
+                                  <p:stCondLst>
+                                    <p:cond delay="0"/>
+                                  </p:stCondLst>
+                                  <p:childTnLst>
+                                    <p:set>
+                                      <p:cBhvr>
+                                        <p:cTn id="6" dur="1" fill="hold">
+                                          <p:stCondLst>
+                                            <p:cond delay="0"/>
+                                          </p:stCondLst>
+                                        </p:cTn>
+                                        <p:tgtEl>
+                                          <p:spTgt spid="3">
+                                            <p:txEl>
+                                              <p:pRg st="0" end="0"/>
+                                            </p:txEl>
+                                          </p:spTgt>
+                                        </p:tgtEl>
+                                        <p:attrNameLst>
+                                          <p:attrName>style.visibility</p:attrName>
+                                        </p:attrNameLst>
+                                      </p:cBhvr>
+                                      <p:to>
+                                        <p:strVal val="visible"/>
+                                      </p:to>
+                                    </p:set>
+                                  </p:childTnLst>
+                                </p:cTn>
+                              </p:par>
+                            </p:childTnLst>
+                          </p:cTn>
+                        </p:par>
+                      </p:childTnLst>
+                    </p:cTn>
+                  </p:par>
+                  <p:par>
+                    <p:cTn id="7" fill="hold">
+                      <p:stCondLst>
+                        <p:cond delay="indefinite"/>
+                      </p:stCondLst>
+                      <p:childTnLst>
+                        <p:par>
+                          <p:cTn id="8" fill="hold">
+                            <p:stCondLst>
+                              <p:cond delay="0"/>
+                            </p:stCondLst>
+                            <p:childTnLst>
+                              <p:par>
+                                <p:cTn id="9" presetID="1" presetClass="entr" presetSubtype="0" fill="hold" nodeType="clickEffect">
+                                  <p:stCondLst>
+                                    <p:cond delay="0"/>
+                                  </p:stCondLst>
+                                  <p:childTnLst>
+                                    <p:set>
+                                      <p:cBhvr>
+                                        <p:cTn id="10" dur="1" fill="hold">
+                                          <p:stCondLst>
+                                            <p:cond delay="0"/>
+                                          </p:stCondLst>
+                                        </p:cTn>
+                                        <p:tgtEl>
+                                          <p:spTgt spid="3">
+                                            <p:txEl>
+                                              <p:pRg st="1" end="1"/>
+                                            </p:txEl>
+                                          </p:spTgt>
+                                        </p:tgtEl>
+                                        <p:attrNameLst>
+                                          <p:attrName>style.visibility</p:attrName>
+                                        </p:attrNameLst>
+                                      </p:cBhvr>
+                                      <p:to>
+                                        <p:strVal val="visible"/>
+                                      </p:to>
+                                    </p:set>
+                                  </p:childTnLst>
+                                </p:cTn>
+                              </p:par>
+                            </p:childTnLst>
+                          </p:cTn>
+                        </p:par>
+                      </p:childTnLst>
+                    </p:cTn>
+                  </p:par>
+                  <p:par>
+                    <p:cTn id="11" fill="hold">
+                      <p:stCondLst>
+                        <p:cond delay="indefinite"/>
+                      </p:stCondLst>
+                      <p:childTnLst>
+                        <p:par>
+                          <p:cTn id="12" fill="hold">
+                            <p:stCondLst>
+                              <p:cond delay="0"/>
+                            </p:stCondLst>
+                            <p:childTnLst>
+                              <p:par>
+                                <p:cTn id="13" presetID="1" presetClass="entr" presetSubtype="0" fill="hold" nodeType="clickEffect">
+                                  <p:stCondLst>
+                                    <p:cond delay="0"/>
+                                  </p:stCondLst>
+                                  <p:childTnLst>
+                                    <p:set>
+                                      <p:cBhvr>
+                                        <p:cTn id="14" dur="1" fill="hold">
+                                          <p:stCondLst>
+                                            <p:cond delay="0"/>
+                                          </p:stCondLst>
+                                        </p:cTn>
+                                        <p:tgtEl>
+                                          <p:spTgt spid="3">
+                                            <p:txEl>
+                                              <p:pRg st="2" end="2"/>
+                                            </p:txEl>
+                                          </p:spTgt>
+                                        </p:tgtEl>
+                                        <p:attrNameLst>
+                                          <p:attrName>style.visibility</p:attrName>
+                                        </p:attrNameLst>
+                                      </p:cBhvr>
+                                      <p:to>
+                                        <p:strVal val="visible"/>
+                                      </p:to>
+                                    </p:set>
+                                  </p:childTnLst>
+                                </p:cTn>
+                              </p:par>
+                            </p:childTnLst>
+                          </p:cTn>
+                        </p:par>
+                      </p:childTnLst>
+                    </p:cTn>
+                  </p:par>
+                  <p:par>
+                    <p:cTn id="15" fill="hold">
+                      <p:stCondLst>
+                        <p:cond delay="indefinite"/>
+                      </p:stCondLst>
+                      <p:childTnLst>
+                        <p:par>
+                          <p:cTn id="16" fill="hold">
+                            <p:stCondLst>
+                              <p:cond delay="0"/>
+                            </p:stCondLst>
+                            <p:childTnLst>
+                              <p:par>
+                                <p:cTn id="17" presetID="1" presetClass="entr" presetSubtype="0" fill="hold" nodeType="clickEffect">
+                                  <p:stCondLst>
+                                    <p:cond delay="0"/>
+                                  </p:stCondLst>
+                                  <p:childTnLst>
+                                    <p:set>
+                                      <p:cBhvr>
+                                        <p:cTn id="18" dur="1" fill="hold">
+                                          <p:stCondLst>
+                                            <p:cond delay="0"/>
+                                          </p:stCondLst>
+                                        </p:cTn>
+                                        <p:tgtEl>
+                                          <p:spTgt spid="3">
+                                            <p:txEl>
+                                              <p:pRg st="3" end="3"/>
+                                            </p:txEl>
+                                          </p:spTgt>
+                                        </p:tgtEl>
+                                        <p:attrNameLst>
+                                          <p:attrName>style.visibility</p:attrName>
+                                        </p:attrNameLst>
+                                      </p:cBhvr>
+                                      <p:to>
+                                        <p:strVal val="visible"/>
+                                      </p:to>
+                                    </p:set>
+                                  </p:childTnLst>
+                                </p:cTn>
+                              </p:par>
+                            </p:childTnLst>
+                          </p:cTn>
+                        </p:par>
+                      </p:childTnLst>
+                    </p:cTn>
+                  </p:par>
+                  <p:par>
+                    <p:cTn id="19" fill="hold">
+                      <p:stCondLst>
+                        <p:cond delay="indefinite"/>
+                      </p:stCondLst>
+                      <p:childTnLst>
+                        <p:par>
+                          <p:cTn id="20" fill="hold">
+                            <p:stCondLst>
+                              <p:cond delay="0"/>
+                            </p:stCondLst>
+                            <p:childTnLst>
+                              <p:par>
+                                <p:cTn id="21" presetID="1" presetClass="entr" presetSubtype="0" fill="hold" nodeType="clickEffect">
+                                  <p:stCondLst>
+                                    <p:cond delay="0"/>
+                                  </p:stCondLst>
+                                  <p:childTnLst>
+                                    <p:set>
+                                      <p:cBhvr>
+                                        <p:cTn id="22" dur="1" fill="hold">
+                                          <p:stCondLst>
+                                            <p:cond delay="0"/>
+                                          </p:stCondLst>
+                                        </p:cTn>
+                                        <p:tgtEl>
+                                          <p:spTgt spid="3">
+                                            <p:txEl>
+                                              <p:pRg st="4" end="4"/>
+                                            </p:txEl>
+                                          </p:spTgt>
+                                        </p:tgtEl>
+                                        <p:attrNameLst>
+                                          <p:attrName>style.visibility</p:attrName>
+                                        </p:attrNameLst>
+                                      </p:cBhvr>
+                                      <p:to>
+                                        <p:strVal val="visible"/>
+                                      </p:to>
+                                    </p:set>
+                                  </p:childTnLst>
+                                </p:cTn>
+                              </p:par>
+                            </p:childTnLst>
+                          </p:cTn>
+                        </p:par>
+                      </p:childTnLst>
+                    </p:cTn>
+                  </p:par>
+                  <p:par>
+                    <p:cTn id="23" fill="hold">
+                      <p:stCondLst>
+                        <p:cond delay="indefinite"/>
+                      </p:stCondLst>
+                      <p:childTnLst>
+                        <p:par>
+                          <p:cTn id="24" fill="hold">
+                            <p:stCondLst>
+                              <p:cond delay="0"/>
+                            </p:stCondLst>
+                            <p:childTnLst>
+                              <p:par>
+                                <p:cTn id="25" presetID="1" presetClass="entr" presetSubtype="0" fill="hold" nodeType="clickEffect">
+                                  <p:stCondLst>
+                                    <p:cond delay="0"/>
+                                  </p:stCondLst>
+                                  <p:childTnLst>
+                                    <p:set>
+                                      <p:cBhvr>
+                                        <p:cTn id="26" dur="1" fill="hold">
+                                          <p:stCondLst>
+                                            <p:cond delay="0"/>
+                                          </p:stCondLst>
+                                        </p:cTn>
+                                        <p:tgtEl>
+                                          <p:spTgt spid="3">
+                                            <p:txEl>
+                                              <p:pRg st="5" end="5"/>
+                                            </p:txEl>
+                                          </p:spTgt>
+                                        </p:tgtEl>
+                                        <p:attrNameLst>
+                                          <p:attrName>style.visibility</p:attrName>
+                                        </p:attrNameLst>
+                                      </p:cBhvr>
+                                      <p:to>
+                                        <p:strVal val="visible"/>
+                                      </p:to>
+                                    </p:set>
+                                  </p:childTnLst>
+                                </p:cTn>
+                              </p:par>
+                            </p:childTnLst>
+                          </p:cTn>
+                        </p:par>
+                      </p:childTnLst>
+                    </p:cTn>
+                  </p:par>
+                  <p:par>
+                    <p:cTn id="27" fill="hold">
+                      <p:stCondLst>
+                        <p:cond delay="indefinite"/>
+                      </p:stCondLst>
+                      <p:childTnLst>
+                        <p:par>
+                          <p:cTn id="28" fill="hold">
+                            <p:stCondLst>
+                              <p:cond delay="0"/>
+                            </p:stCondLst>
+                            <p:childTnLst>
+                              <p:par>
+                                <p:cTn id="29" presetID="1" presetClass="entr" presetSubtype="0" fill="hold" nodeType="clickEffect">
+                                  <p:stCondLst>
+                                    <p:cond delay="0"/>
+                                  </p:stCondLst>
+                                  <p:childTnLst>
+                                    <p:set>
+                                      <p:cBhvr>
+                                        <p:cTn id="30" dur="1" fill="hold">
+                                          <p:stCondLst>
+                                            <p:cond delay="0"/>
+                                          </p:stCondLst>
+                                        </p:cTn>
+                                        <p:tgtEl>
+                                          <p:spTgt spid="3">
+                                            <p:txEl>
+                                              <p:pRg st="6" end="6"/>
+                                            </p:txEl>
+                                          </p:spTgt>
+                                        </p:tgtEl>
+                                        <p:attrNameLst>
+                                          <p:attrName>style.visibility</p:attrName>
+                                        </p:attrNameLst>
+                                      </p:cBhvr>
+                                      <p:to>
+                                        <p:strVal val="visible"/>
+                                      </p:to>
+                                    </p:set>
+                                  </p:childTnLst>
+                                </p:cTn>
+                              </p:par>
+                            </p:childTnLst>
+                          </p:cTn>
+                        </p:par>
+                      </p:childTnLst>
+                    </p:cTn>
+                  </p:par>
+                </p:childTnLst>
+              </p:cTn>
+              <p:prevCondLst>
+                <p:cond evt="onPrev" delay="0">
+                  <p:tgtEl>
+                    <p:sldTgt/>
+                  </p:tgtEl>
+                </p:cond>
+              </p:prevCondLst>
+              <p:nextCondLst>
+                <p:cond evt="onNext" delay="0">
+                  <p:tgtEl>
+                    <p:sldTgt/>
+                  </p:tgtEl>
+                </p:cond>
+              </p:nextCondLst>
+            </p:seq>
+          </p:childTnLst>
+        </p:cTn>
+      </p:par>
+    </p:tnLst>
+  </p:timing>
 </p:sld>
 </file>
 
@@ -5632,19 +8768,11 @@
             </a:r>
             <a:r>
               <a:rPr lang="en-US" dirty="0" err="1" smtClean="0"/>
-              <a:t>acelasi</a:t>
-            </a:r>
-            <a:r>
-              <a:rPr lang="en-US" dirty="0" smtClean="0"/>
-              <a:t> </a:t>
-            </a:r>
-            <a:r>
-              <a:rPr lang="en-US" dirty="0" err="1" smtClean="0"/>
-              <a:t>timp</a:t>
-            </a:r>
-            <a:r>
-              <a:rPr lang="en-US" dirty="0" smtClean="0"/>
-              <a:t> </a:t>
+              <a:t>același</a:t>
+            </a:r>
+            <a:r>
+              <a:rPr lang="en-US" dirty="0" smtClean="0"/>
+              <a:t> tip </a:t>
             </a:r>
             <a:r>
               <a:rPr lang="en-US" dirty="0" err="1" smtClean="0"/>
@@ -5660,7 +8788,19 @@
             </a:r>
             <a:r>
               <a:rPr lang="en-US" dirty="0" smtClean="0"/>
-              <a:t> in </a:t>
+              <a:t> </a:t>
+            </a:r>
+            <a:r>
+              <a:rPr lang="en-US" dirty="0" err="1"/>
+              <a:t>î</a:t>
+            </a:r>
+            <a:r>
+              <a:rPr lang="en-US" dirty="0" err="1" smtClean="0"/>
+              <a:t>n</a:t>
+            </a:r>
+            <a:r>
+              <a:rPr lang="en-US" dirty="0" smtClean="0"/>
+              <a:t> </a:t>
             </a:r>
             <a:r>
               <a:rPr lang="en-US" dirty="0" err="1" smtClean="0"/>
@@ -5844,6 +8984,281 @@
   <p:clrMapOvr>
     <a:masterClrMapping/>
   </p:clrMapOvr>
+  <p:timing>
+    <p:tnLst>
+      <p:par>
+        <p:cTn xmlns:p14="http://schemas.microsoft.com/office/powerpoint/2010/main" id="1" dur="indefinite" restart="never" nodeType="tmRoot">
+          <p:childTnLst>
+            <p:seq concurrent="1" nextAc="seek">
+              <p:cTn id="2" dur="indefinite" nodeType="mainSeq">
+                <p:childTnLst>
+                  <p:par>
+                    <p:cTn id="3" fill="hold">
+                      <p:stCondLst>
+                        <p:cond delay="indefinite"/>
+                      </p:stCondLst>
+                      <p:childTnLst>
+                        <p:par>
+                          <p:cTn id="4" fill="hold">
+                            <p:stCondLst>
+                              <p:cond delay="0"/>
+                            </p:stCondLst>
+                            <p:childTnLst>
+                              <p:par>
+                                <p:cTn id="5" presetID="1" presetClass="entr" presetSubtype="0" fill="hold" nodeType="clickEffect">
+                                  <p:stCondLst>
+                                    <p:cond delay="0"/>
+                                  </p:stCondLst>
+                                  <p:childTnLst>
+                                    <p:set>
+                                      <p:cBhvr>
+                                        <p:cTn id="6" dur="1" fill="hold">
+                                          <p:stCondLst>
+                                            <p:cond delay="0"/>
+                                          </p:stCondLst>
+                                        </p:cTn>
+                                        <p:tgtEl>
+                                          <p:spTgt spid="3">
+                                            <p:txEl>
+                                              <p:pRg st="0" end="0"/>
+                                            </p:txEl>
+                                          </p:spTgt>
+                                        </p:tgtEl>
+                                        <p:attrNameLst>
+                                          <p:attrName>style.visibility</p:attrName>
+                                        </p:attrNameLst>
+                                      </p:cBhvr>
+                                      <p:to>
+                                        <p:strVal val="visible"/>
+                                      </p:to>
+                                    </p:set>
+                                  </p:childTnLst>
+                                </p:cTn>
+                              </p:par>
+                            </p:childTnLst>
+                          </p:cTn>
+                        </p:par>
+                      </p:childTnLst>
+                    </p:cTn>
+                  </p:par>
+                  <p:par>
+                    <p:cTn id="7" fill="hold">
+                      <p:stCondLst>
+                        <p:cond delay="indefinite"/>
+                      </p:stCondLst>
+                      <p:childTnLst>
+                        <p:par>
+                          <p:cTn id="8" fill="hold">
+                            <p:stCondLst>
+                              <p:cond delay="0"/>
+                            </p:stCondLst>
+                            <p:childTnLst>
+                              <p:par>
+                                <p:cTn id="9" presetID="1" presetClass="entr" presetSubtype="0" fill="hold" nodeType="clickEffect">
+                                  <p:stCondLst>
+                                    <p:cond delay="0"/>
+                                  </p:stCondLst>
+                                  <p:childTnLst>
+                                    <p:set>
+                                      <p:cBhvr>
+                                        <p:cTn id="10" dur="1" fill="hold">
+                                          <p:stCondLst>
+                                            <p:cond delay="0"/>
+                                          </p:stCondLst>
+                                        </p:cTn>
+                                        <p:tgtEl>
+                                          <p:spTgt spid="3">
+                                            <p:txEl>
+                                              <p:pRg st="1" end="1"/>
+                                            </p:txEl>
+                                          </p:spTgt>
+                                        </p:tgtEl>
+                                        <p:attrNameLst>
+                                          <p:attrName>style.visibility</p:attrName>
+                                        </p:attrNameLst>
+                                      </p:cBhvr>
+                                      <p:to>
+                                        <p:strVal val="visible"/>
+                                      </p:to>
+                                    </p:set>
+                                  </p:childTnLst>
+                                </p:cTn>
+                              </p:par>
+                            </p:childTnLst>
+                          </p:cTn>
+                        </p:par>
+                      </p:childTnLst>
+                    </p:cTn>
+                  </p:par>
+                  <p:par>
+                    <p:cTn id="11" fill="hold">
+                      <p:stCondLst>
+                        <p:cond delay="indefinite"/>
+                      </p:stCondLst>
+                      <p:childTnLst>
+                        <p:par>
+                          <p:cTn id="12" fill="hold">
+                            <p:stCondLst>
+                              <p:cond delay="0"/>
+                            </p:stCondLst>
+                            <p:childTnLst>
+                              <p:par>
+                                <p:cTn id="13" presetID="1" presetClass="entr" presetSubtype="0" fill="hold" nodeType="clickEffect">
+                                  <p:stCondLst>
+                                    <p:cond delay="0"/>
+                                  </p:stCondLst>
+                                  <p:childTnLst>
+                                    <p:set>
+                                      <p:cBhvr>
+                                        <p:cTn id="14" dur="1" fill="hold">
+                                          <p:stCondLst>
+                                            <p:cond delay="0"/>
+                                          </p:stCondLst>
+                                        </p:cTn>
+                                        <p:tgtEl>
+                                          <p:spTgt spid="3">
+                                            <p:txEl>
+                                              <p:pRg st="2" end="2"/>
+                                            </p:txEl>
+                                          </p:spTgt>
+                                        </p:tgtEl>
+                                        <p:attrNameLst>
+                                          <p:attrName>style.visibility</p:attrName>
+                                        </p:attrNameLst>
+                                      </p:cBhvr>
+                                      <p:to>
+                                        <p:strVal val="visible"/>
+                                      </p:to>
+                                    </p:set>
+                                  </p:childTnLst>
+                                </p:cTn>
+                              </p:par>
+                            </p:childTnLst>
+                          </p:cTn>
+                        </p:par>
+                      </p:childTnLst>
+                    </p:cTn>
+                  </p:par>
+                  <p:par>
+                    <p:cTn id="15" fill="hold">
+                      <p:stCondLst>
+                        <p:cond delay="indefinite"/>
+                      </p:stCondLst>
+                      <p:childTnLst>
+                        <p:par>
+                          <p:cTn id="16" fill="hold">
+                            <p:stCondLst>
+                              <p:cond delay="0"/>
+                            </p:stCondLst>
+                            <p:childTnLst>
+                              <p:par>
+                                <p:cTn id="17" presetID="1" presetClass="entr" presetSubtype="0" fill="hold" nodeType="clickEffect">
+                                  <p:stCondLst>
+                                    <p:cond delay="0"/>
+                                  </p:stCondLst>
+                                  <p:childTnLst>
+                                    <p:set>
+                                      <p:cBhvr>
+                                        <p:cTn id="18" dur="1" fill="hold">
+                                          <p:stCondLst>
+                                            <p:cond delay="0"/>
+                                          </p:stCondLst>
+                                        </p:cTn>
+                                        <p:tgtEl>
+                                          <p:spTgt spid="3">
+                                            <p:txEl>
+                                              <p:pRg st="3" end="3"/>
+                                            </p:txEl>
+                                          </p:spTgt>
+                                        </p:tgtEl>
+                                        <p:attrNameLst>
+                                          <p:attrName>style.visibility</p:attrName>
+                                        </p:attrNameLst>
+                                      </p:cBhvr>
+                                      <p:to>
+                                        <p:strVal val="visible"/>
+                                      </p:to>
+                                    </p:set>
+                                  </p:childTnLst>
+                                </p:cTn>
+                              </p:par>
+                            </p:childTnLst>
+                          </p:cTn>
+                        </p:par>
+                      </p:childTnLst>
+                    </p:cTn>
+                  </p:par>
+                  <p:par>
+                    <p:cTn id="19" fill="hold">
+                      <p:stCondLst>
+                        <p:cond delay="indefinite"/>
+                      </p:stCondLst>
+                      <p:childTnLst>
+                        <p:par>
+                          <p:cTn id="20" fill="hold">
+                            <p:stCondLst>
+                              <p:cond delay="0"/>
+                            </p:stCondLst>
+                            <p:childTnLst>
+                              <p:par>
+                                <p:cTn id="21" presetID="1" presetClass="entr" presetSubtype="0" fill="hold" nodeType="clickEffect">
+                                  <p:stCondLst>
+                                    <p:cond delay="0"/>
+                                  </p:stCondLst>
+                                  <p:childTnLst>
+                                    <p:set>
+                                      <p:cBhvr>
+                                        <p:cTn id="22" dur="1" fill="hold">
+                                          <p:stCondLst>
+                                            <p:cond delay="0"/>
+                                          </p:stCondLst>
+                                        </p:cTn>
+                                        <p:tgtEl>
+                                          <p:spTgt spid="3">
+                                            <p:txEl>
+                                              <p:pRg st="4" end="4"/>
+                                            </p:txEl>
+                                          </p:spTgt>
+                                        </p:tgtEl>
+                                        <p:attrNameLst>
+                                          <p:attrName>style.visibility</p:attrName>
+                                        </p:attrNameLst>
+                                      </p:cBhvr>
+                                      <p:to>
+                                        <p:strVal val="visible"/>
+                                      </p:to>
+                                    </p:set>
+                                  </p:childTnLst>
+                                </p:cTn>
+                              </p:par>
+                            </p:childTnLst>
+                          </p:cTn>
+                        </p:par>
+                      </p:childTnLst>
+                    </p:cTn>
+                  </p:par>
+                </p:childTnLst>
+              </p:cTn>
+              <p:prevCondLst>
+                <p:cond evt="onPrev" delay="0">
+                  <p:tgtEl>
+                    <p:sldTgt/>
+                  </p:tgtEl>
+                </p:cond>
+              </p:prevCondLst>
+              <p:nextCondLst>
+                <p:cond evt="onNext" delay="0">
+                  <p:tgtEl>
+                    <p:sldTgt/>
+                  </p:tgtEl>
+                </p:cond>
+              </p:nextCondLst>
+            </p:seq>
+          </p:childTnLst>
+        </p:cTn>
+      </p:par>
+    </p:tnLst>
+  </p:timing>
 </p:sld>
 </file>
 
@@ -5950,6 +9365,81 @@
   <p:clrMapOvr>
     <a:masterClrMapping/>
   </p:clrMapOvr>
+  <p:timing>
+    <p:tnLst>
+      <p:par>
+        <p:cTn xmlns:p14="http://schemas.microsoft.com/office/powerpoint/2010/main" id="1" dur="indefinite" restart="never" nodeType="tmRoot">
+          <p:childTnLst>
+            <p:seq concurrent="1" nextAc="seek">
+              <p:cTn id="2" dur="indefinite" nodeType="mainSeq">
+                <p:childTnLst>
+                  <p:par>
+                    <p:cTn id="3" fill="hold">
+                      <p:stCondLst>
+                        <p:cond delay="indefinite"/>
+                      </p:stCondLst>
+                      <p:childTnLst>
+                        <p:par>
+                          <p:cTn id="4" fill="hold">
+                            <p:stCondLst>
+                              <p:cond delay="0"/>
+                            </p:stCondLst>
+                            <p:childTnLst>
+                              <p:par>
+                                <p:cTn id="5" presetID="1" presetClass="entr" presetSubtype="0" fill="hold" nodeType="clickEffect">
+                                  <p:stCondLst>
+                                    <p:cond delay="0"/>
+                                  </p:stCondLst>
+                                  <p:childTnLst>
+                                    <p:set>
+                                      <p:cBhvr>
+                                        <p:cTn id="6" dur="1" fill="hold">
+                                          <p:stCondLst>
+                                            <p:cond delay="0"/>
+                                          </p:stCondLst>
+                                        </p:cTn>
+                                        <p:tgtEl>
+                                          <p:spTgt spid="7"/>
+                                        </p:tgtEl>
+                                        <p:attrNameLst>
+                                          <p:attrName>style.visibility</p:attrName>
+                                        </p:attrNameLst>
+                                      </p:cBhvr>
+                                      <p:to>
+                                        <p:strVal val="visible"/>
+                                      </p:to>
+                                    </p:set>
+                                  </p:childTnLst>
+                                </p:cTn>
+                              </p:par>
+                            </p:childTnLst>
+                          </p:cTn>
+                        </p:par>
+                      </p:childTnLst>
+                    </p:cTn>
+                  </p:par>
+                </p:childTnLst>
+              </p:cTn>
+              <p:prevCondLst>
+                <p:cond evt="onPrev" delay="0">
+                  <p:tgtEl>
+                    <p:sldTgt/>
+                  </p:tgtEl>
+                </p:cond>
+              </p:prevCondLst>
+              <p:nextCondLst>
+                <p:cond evt="onNext" delay="0">
+                  <p:tgtEl>
+                    <p:sldTgt/>
+                  </p:tgtEl>
+                </p:cond>
+              </p:nextCondLst>
+            </p:seq>
+          </p:childTnLst>
+        </p:cTn>
+      </p:par>
+    </p:tnLst>
+  </p:timing>
 </p:sld>
 </file>
 
@@ -6008,9 +9498,12 @@
           <a:bodyPr/>
           <a:lstStyle/>
           <a:p>
+            <a:endParaRPr lang="en-US" dirty="0" smtClean="0"/>
+          </a:p>
+          <a:p>
             <a:r>
               <a:rPr lang="en-US" dirty="0" err="1" smtClean="0"/>
-              <a:t>Lista</a:t>
+              <a:t>Listă</a:t>
             </a:r>
             <a:r>
               <a:rPr lang="en-US" dirty="0" smtClean="0"/>
@@ -6026,7 +9519,7 @@
             </a:r>
             <a:r>
               <a:rPr lang="en-US" dirty="0" err="1" smtClean="0"/>
-              <a:t>inlantuita</a:t>
+              <a:t>înlănțuită</a:t>
             </a:r>
             <a:r>
               <a:rPr lang="en-US" dirty="0" smtClean="0"/>
@@ -6049,16 +9542,24 @@
               <a:t> </a:t>
             </a:r>
             <a:r>
+              <a:rPr lang="en-US" dirty="0" err="1"/>
+              <a:t>ș</a:t>
+            </a:r>
+            <a:r>
               <a:rPr lang="en-US" dirty="0" err="1" smtClean="0"/>
-              <a:t>si</a:t>
+              <a:t>i</a:t>
             </a:r>
             <a:r>
               <a:rPr lang="en-US" dirty="0" smtClean="0"/>
               <a:t> </a:t>
             </a:r>
             <a:r>
+              <a:rPr lang="en-US" dirty="0" err="1"/>
+              <a:t>ș</a:t>
+            </a:r>
+            <a:r>
               <a:rPr lang="en-US" dirty="0" err="1" smtClean="0"/>
-              <a:t>stergere</a:t>
+              <a:t>tergere</a:t>
             </a:r>
             <a:endParaRPr lang="en-US" dirty="0" smtClean="0"/>
           </a:p>
@@ -6160,6 +9661,232 @@
   <p:clrMapOvr>
     <a:masterClrMapping/>
   </p:clrMapOvr>
+  <p:timing>
+    <p:tnLst>
+      <p:par>
+        <p:cTn xmlns:p14="http://schemas.microsoft.com/office/powerpoint/2010/main" id="1" dur="indefinite" restart="never" nodeType="tmRoot">
+          <p:childTnLst>
+            <p:seq concurrent="1" nextAc="seek">
+              <p:cTn id="2" dur="indefinite" nodeType="mainSeq">
+                <p:childTnLst>
+                  <p:par>
+                    <p:cTn id="3" fill="hold">
+                      <p:stCondLst>
+                        <p:cond delay="indefinite"/>
+                      </p:stCondLst>
+                      <p:childTnLst>
+                        <p:par>
+                          <p:cTn id="4" fill="hold">
+                            <p:stCondLst>
+                              <p:cond delay="0"/>
+                            </p:stCondLst>
+                            <p:childTnLst>
+                              <p:par>
+                                <p:cTn id="5" presetID="1" presetClass="entr" presetSubtype="0" fill="hold" nodeType="clickEffect">
+                                  <p:stCondLst>
+                                    <p:cond delay="0"/>
+                                  </p:stCondLst>
+                                  <p:childTnLst>
+                                    <p:set>
+                                      <p:cBhvr>
+                                        <p:cTn id="6" dur="1" fill="hold">
+                                          <p:stCondLst>
+                                            <p:cond delay="0"/>
+                                          </p:stCondLst>
+                                        </p:cTn>
+                                        <p:tgtEl>
+                                          <p:spTgt spid="3">
+                                            <p:txEl>
+                                              <p:pRg st="1" end="1"/>
+                                            </p:txEl>
+                                          </p:spTgt>
+                                        </p:tgtEl>
+                                        <p:attrNameLst>
+                                          <p:attrName>style.visibility</p:attrName>
+                                        </p:attrNameLst>
+                                      </p:cBhvr>
+                                      <p:to>
+                                        <p:strVal val="visible"/>
+                                      </p:to>
+                                    </p:set>
+                                  </p:childTnLst>
+                                </p:cTn>
+                              </p:par>
+                            </p:childTnLst>
+                          </p:cTn>
+                        </p:par>
+                      </p:childTnLst>
+                    </p:cTn>
+                  </p:par>
+                  <p:par>
+                    <p:cTn id="7" fill="hold">
+                      <p:stCondLst>
+                        <p:cond delay="indefinite"/>
+                      </p:stCondLst>
+                      <p:childTnLst>
+                        <p:par>
+                          <p:cTn id="8" fill="hold">
+                            <p:stCondLst>
+                              <p:cond delay="0"/>
+                            </p:stCondLst>
+                            <p:childTnLst>
+                              <p:par>
+                                <p:cTn id="9" presetID="1" presetClass="entr" presetSubtype="0" fill="hold" nodeType="clickEffect">
+                                  <p:stCondLst>
+                                    <p:cond delay="0"/>
+                                  </p:stCondLst>
+                                  <p:childTnLst>
+                                    <p:set>
+                                      <p:cBhvr>
+                                        <p:cTn id="10" dur="1" fill="hold">
+                                          <p:stCondLst>
+                                            <p:cond delay="0"/>
+                                          </p:stCondLst>
+                                        </p:cTn>
+                                        <p:tgtEl>
+                                          <p:spTgt spid="3">
+                                            <p:txEl>
+                                              <p:pRg st="2" end="2"/>
+                                            </p:txEl>
+                                          </p:spTgt>
+                                        </p:tgtEl>
+                                        <p:attrNameLst>
+                                          <p:attrName>style.visibility</p:attrName>
+                                        </p:attrNameLst>
+                                      </p:cBhvr>
+                                      <p:to>
+                                        <p:strVal val="visible"/>
+                                      </p:to>
+                                    </p:set>
+                                  </p:childTnLst>
+                                </p:cTn>
+                              </p:par>
+                            </p:childTnLst>
+                          </p:cTn>
+                        </p:par>
+                      </p:childTnLst>
+                    </p:cTn>
+                  </p:par>
+                  <p:par>
+                    <p:cTn id="11" fill="hold">
+                      <p:stCondLst>
+                        <p:cond delay="indefinite"/>
+                      </p:stCondLst>
+                      <p:childTnLst>
+                        <p:par>
+                          <p:cTn id="12" fill="hold">
+                            <p:stCondLst>
+                              <p:cond delay="0"/>
+                            </p:stCondLst>
+                            <p:childTnLst>
+                              <p:par>
+                                <p:cTn id="13" presetID="1" presetClass="entr" presetSubtype="0" fill="hold" nodeType="clickEffect">
+                                  <p:stCondLst>
+                                    <p:cond delay="0"/>
+                                  </p:stCondLst>
+                                  <p:childTnLst>
+                                    <p:set>
+                                      <p:cBhvr>
+                                        <p:cTn id="14" dur="1" fill="hold">
+                                          <p:stCondLst>
+                                            <p:cond delay="0"/>
+                                          </p:stCondLst>
+                                        </p:cTn>
+                                        <p:tgtEl>
+                                          <p:spTgt spid="3">
+                                            <p:txEl>
+                                              <p:pRg st="3" end="3"/>
+                                            </p:txEl>
+                                          </p:spTgt>
+                                        </p:tgtEl>
+                                        <p:attrNameLst>
+                                          <p:attrName>style.visibility</p:attrName>
+                                        </p:attrNameLst>
+                                      </p:cBhvr>
+                                      <p:to>
+                                        <p:strVal val="visible"/>
+                                      </p:to>
+                                    </p:set>
+                                  </p:childTnLst>
+                                </p:cTn>
+                              </p:par>
+                            </p:childTnLst>
+                          </p:cTn>
+                        </p:par>
+                      </p:childTnLst>
+                    </p:cTn>
+                  </p:par>
+                  <p:par>
+                    <p:cTn id="15" fill="hold">
+                      <p:stCondLst>
+                        <p:cond delay="indefinite"/>
+                      </p:stCondLst>
+                      <p:childTnLst>
+                        <p:par>
+                          <p:cTn id="16" fill="hold">
+                            <p:stCondLst>
+                              <p:cond delay="0"/>
+                            </p:stCondLst>
+                            <p:childTnLst>
+                              <p:par>
+                                <p:cTn id="17" presetID="1" presetClass="entr" presetSubtype="0" fill="hold" nodeType="clickEffect">
+                                  <p:stCondLst>
+                                    <p:cond delay="0"/>
+                                  </p:stCondLst>
+                                  <p:childTnLst>
+                                    <p:set>
+                                      <p:cBhvr>
+                                        <p:cTn id="18" dur="1" fill="hold">
+                                          <p:stCondLst>
+                                            <p:cond delay="0"/>
+                                          </p:stCondLst>
+                                        </p:cTn>
+                                        <p:tgtEl>
+                                          <p:spTgt spid="3">
+                                            <p:txEl>
+                                              <p:pRg st="4" end="4"/>
+                                            </p:txEl>
+                                          </p:spTgt>
+                                        </p:tgtEl>
+                                        <p:attrNameLst>
+                                          <p:attrName>style.visibility</p:attrName>
+                                        </p:attrNameLst>
+                                      </p:cBhvr>
+                                      <p:to>
+                                        <p:strVal val="visible"/>
+                                      </p:to>
+                                    </p:set>
+                                  </p:childTnLst>
+                                </p:cTn>
+                              </p:par>
+                            </p:childTnLst>
+                          </p:cTn>
+                        </p:par>
+                      </p:childTnLst>
+                    </p:cTn>
+                  </p:par>
+                </p:childTnLst>
+              </p:cTn>
+              <p:prevCondLst>
+                <p:cond evt="onPrev" delay="0">
+                  <p:tgtEl>
+                    <p:sldTgt/>
+                  </p:tgtEl>
+                </p:cond>
+              </p:prevCondLst>
+              <p:nextCondLst>
+                <p:cond evt="onNext" delay="0">
+                  <p:tgtEl>
+                    <p:sldTgt/>
+                  </p:tgtEl>
+                </p:cond>
+              </p:nextCondLst>
+            </p:seq>
+          </p:childTnLst>
+        </p:cTn>
+      </p:par>
+    </p:tnLst>
+  </p:timing>
 </p:sld>
 </file>
 
@@ -6222,19 +9949,105 @@
           <a:bodyPr/>
           <a:lstStyle/>
           <a:p>
-            <a:r>
-              <a:rPr lang="en-US" dirty="0"/>
-              <a:t>q</a:t>
-            </a:r>
-            <a:r>
-              <a:rPr lang="en-US" dirty="0" smtClean="0"/>
-              <a:t>ueue – </a:t>
+            <a:pPr marL="0" indent="0">
+              <a:buNone/>
+            </a:pPr>
+            <a:endParaRPr lang="en-US" dirty="0" smtClean="0"/>
+          </a:p>
+          <a:p>
+            <a:r>
+              <a:rPr lang="en-US" dirty="0" smtClean="0"/>
+              <a:t>queue – </a:t>
             </a:r>
             <a:r>
               <a:rPr lang="en-US" i="1" dirty="0" smtClean="0"/>
               <a:t>front(), back(), </a:t>
             </a:r>
             <a:r>
+              <a:rPr lang="en-US" i="1" dirty="0" smtClean="0"/>
+              <a:t>push(</a:t>
+            </a:r>
+            <a:r>
+              <a:rPr lang="en-US" i="1" dirty="0" smtClean="0"/>
+              <a:t>), </a:t>
+            </a:r>
+            <a:r>
+              <a:rPr lang="en-US" i="1" dirty="0" smtClean="0"/>
+              <a:t>pop(</a:t>
+            </a:r>
+            <a:r>
+              <a:rPr lang="en-US" i="1" dirty="0" smtClean="0"/>
+              <a:t>)</a:t>
+            </a:r>
+          </a:p>
+          <a:p>
+            <a:r>
+              <a:rPr lang="en-US" dirty="0"/>
+              <a:t>s</a:t>
+            </a:r>
+            <a:r>
+              <a:rPr lang="en-US" dirty="0" smtClean="0"/>
+              <a:t>tack – </a:t>
+            </a:r>
+            <a:r>
+              <a:rPr lang="en-US" i="1" dirty="0" smtClean="0"/>
+              <a:t>top</a:t>
+            </a:r>
+            <a:r>
+              <a:rPr lang="en-US" i="1" dirty="0" smtClean="0"/>
+              <a:t>(</a:t>
+            </a:r>
+            <a:r>
+              <a:rPr lang="en-US" i="1" dirty="0" smtClean="0"/>
+              <a:t>), </a:t>
+            </a:r>
+            <a:r>
+              <a:rPr lang="en-US" i="1" dirty="0" smtClean="0"/>
+              <a:t>push(</a:t>
+            </a:r>
+            <a:r>
+              <a:rPr lang="en-US" i="1" dirty="0" smtClean="0"/>
+              <a:t>), </a:t>
+            </a:r>
+            <a:r>
+              <a:rPr lang="en-US" i="1" dirty="0" smtClean="0"/>
+              <a:t>pop(</a:t>
+            </a:r>
+            <a:r>
+              <a:rPr lang="en-US" i="1" dirty="0" smtClean="0"/>
+              <a:t>)</a:t>
+            </a:r>
+          </a:p>
+          <a:p>
+            <a:r>
+              <a:rPr lang="en-US" dirty="0" err="1"/>
+              <a:t>d</a:t>
+            </a:r>
+            <a:r>
+              <a:rPr lang="en-US" dirty="0" err="1" smtClean="0"/>
+              <a:t>eque</a:t>
+            </a:r>
+            <a:r>
+              <a:rPr lang="en-US" dirty="0" smtClean="0"/>
+              <a:t> – </a:t>
+            </a:r>
+            <a:r>
+              <a:rPr lang="en-US" i="1" dirty="0" err="1" smtClean="0"/>
+              <a:t>push_front</a:t>
+            </a:r>
+            <a:r>
+              <a:rPr lang="en-US" i="1" dirty="0" smtClean="0"/>
+              <a:t>(), </a:t>
+            </a:r>
+            <a:r>
+              <a:rPr lang="en-US" i="1" dirty="0" err="1" smtClean="0"/>
+              <a:t>pop_front</a:t>
+            </a:r>
+            <a:r>
+              <a:rPr lang="en-US" i="1" dirty="0" smtClean="0"/>
+              <a:t>(), </a:t>
+            </a:r>
+            <a:r>
               <a:rPr lang="en-US" i="1" dirty="0" err="1" smtClean="0"/>
               <a:t>push_back</a:t>
             </a:r>
@@ -6244,7 +10057,7 @@
             </a:r>
             <a:r>
               <a:rPr lang="en-US" i="1" dirty="0" err="1" smtClean="0"/>
-              <a:t>pop_front</a:t>
+              <a:t>pop_back</a:t>
             </a:r>
             <a:r>
               <a:rPr lang="en-US" i="1" dirty="0" smtClean="0"/>
@@ -6253,82 +10066,6 @@
           </a:p>
           <a:p>
             <a:r>
-              <a:rPr lang="en-US" dirty="0"/>
-              <a:t>s</a:t>
-            </a:r>
-            <a:r>
-              <a:rPr lang="en-US" dirty="0" smtClean="0"/>
-              <a:t>tack – </a:t>
-            </a:r>
-            <a:r>
-              <a:rPr lang="en-US" i="1" dirty="0" smtClean="0"/>
-              <a:t>back(), </a:t>
-            </a:r>
-            <a:r>
-              <a:rPr lang="en-US" i="1" dirty="0" err="1" smtClean="0"/>
-              <a:t>push_back</a:t>
-            </a:r>
-            <a:r>
-              <a:rPr lang="en-US" i="1" dirty="0" smtClean="0"/>
-              <a:t>(), </a:t>
-            </a:r>
-            <a:r>
-              <a:rPr lang="en-US" i="1" dirty="0" err="1" smtClean="0"/>
-              <a:t>pop_back</a:t>
-            </a:r>
-            <a:r>
-              <a:rPr lang="en-US" i="1" dirty="0" smtClean="0"/>
-              <a:t>()</a:t>
-            </a:r>
-          </a:p>
-          <a:p>
-            <a:r>
-              <a:rPr lang="en-US" dirty="0" err="1"/>
-              <a:t>d</a:t>
-            </a:r>
-            <a:r>
-              <a:rPr lang="en-US" dirty="0" err="1" smtClean="0"/>
-              <a:t>eque</a:t>
-            </a:r>
-            <a:r>
-              <a:rPr lang="en-US" dirty="0" smtClean="0"/>
-              <a:t> – </a:t>
-            </a:r>
-            <a:r>
-              <a:rPr lang="en-US" i="1" dirty="0" err="1" smtClean="0"/>
-              <a:t>push_front</a:t>
-            </a:r>
-            <a:r>
-              <a:rPr lang="en-US" i="1" dirty="0" smtClean="0"/>
-              <a:t>(), </a:t>
-            </a:r>
-            <a:r>
-              <a:rPr lang="en-US" i="1" dirty="0" err="1" smtClean="0"/>
-              <a:t>pop_front</a:t>
-            </a:r>
-            <a:r>
-              <a:rPr lang="en-US" i="1" dirty="0" smtClean="0"/>
-              <a:t>(), </a:t>
-            </a:r>
-            <a:r>
-              <a:rPr lang="en-US" i="1" dirty="0" err="1" smtClean="0"/>
-              <a:t>push_back</a:t>
-            </a:r>
-            <a:r>
-              <a:rPr lang="en-US" i="1" dirty="0" smtClean="0"/>
-              <a:t>(), </a:t>
-            </a:r>
-            <a:r>
-              <a:rPr lang="en-US" i="1" dirty="0" err="1" smtClean="0"/>
-              <a:t>pop_back</a:t>
-            </a:r>
-            <a:r>
-              <a:rPr lang="en-US" i="1" dirty="0" smtClean="0"/>
-              <a:t>()</a:t>
-            </a:r>
-          </a:p>
-          <a:p>
-            <a:r>
               <a:rPr lang="en-US" dirty="0" err="1"/>
               <a:t>p</a:t>
             </a:r>
@@ -6339,6 +10076,45 @@
             <a:r>
               <a:rPr lang="en-US" dirty="0" smtClean="0"/>
               <a:t> – max-heap</a:t>
+            </a:r>
+          </a:p>
+          <a:p>
+            <a:pPr lvl="1"/>
+            <a:r>
+              <a:rPr lang="en-US" dirty="0" err="1"/>
+              <a:t>p</a:t>
+            </a:r>
+            <a:r>
+              <a:rPr lang="en-US" dirty="0" err="1" smtClean="0"/>
+              <a:t>osibil</a:t>
+            </a:r>
+            <a:r>
+              <a:rPr lang="en-US" dirty="0" smtClean="0"/>
+              <a:t>: </a:t>
+            </a:r>
+            <a:r>
+              <a:rPr lang="en-US" dirty="0" err="1"/>
+              <a:t>c</a:t>
+            </a:r>
+            <a:r>
+              <a:rPr lang="en-US" dirty="0" err="1" smtClean="0"/>
+              <a:t>lasă</a:t>
+            </a:r>
+            <a:r>
+              <a:rPr lang="en-US" dirty="0" smtClean="0"/>
+              <a:t> care </a:t>
+            </a:r>
+            <a:r>
+              <a:rPr lang="en-US" dirty="0" err="1" smtClean="0"/>
+              <a:t>supraîncarcă</a:t>
+            </a:r>
+            <a:r>
+              <a:rPr lang="en-US" dirty="0" smtClean="0"/>
+              <a:t> </a:t>
+            </a:r>
+            <a:r>
+              <a:rPr lang="en-US" i="1" dirty="0" smtClean="0"/>
+              <a:t>operator()</a:t>
             </a:r>
             <a:endParaRPr lang="en-US" dirty="0"/>
           </a:p>
@@ -6377,6 +10153,281 @@
   <p:clrMapOvr>
     <a:masterClrMapping/>
   </p:clrMapOvr>
+  <p:timing>
+    <p:tnLst>
+      <p:par>
+        <p:cTn xmlns:p14="http://schemas.microsoft.com/office/powerpoint/2010/main" id="1" dur="indefinite" restart="never" nodeType="tmRoot">
+          <p:childTnLst>
+            <p:seq concurrent="1" nextAc="seek">
+              <p:cTn id="2" dur="indefinite" nodeType="mainSeq">
+                <p:childTnLst>
+                  <p:par>
+                    <p:cTn id="3" fill="hold">
+                      <p:stCondLst>
+                        <p:cond delay="indefinite"/>
+                      </p:stCondLst>
+                      <p:childTnLst>
+                        <p:par>
+                          <p:cTn id="4" fill="hold">
+                            <p:stCondLst>
+                              <p:cond delay="0"/>
+                            </p:stCondLst>
+                            <p:childTnLst>
+                              <p:par>
+                                <p:cTn id="5" presetID="1" presetClass="entr" presetSubtype="0" fill="hold" nodeType="clickEffect">
+                                  <p:stCondLst>
+                                    <p:cond delay="0"/>
+                                  </p:stCondLst>
+                                  <p:childTnLst>
+                                    <p:set>
+                                      <p:cBhvr>
+                                        <p:cTn id="6" dur="1" fill="hold">
+                                          <p:stCondLst>
+                                            <p:cond delay="0"/>
+                                          </p:stCondLst>
+                                        </p:cTn>
+                                        <p:tgtEl>
+                                          <p:spTgt spid="3">
+                                            <p:txEl>
+                                              <p:pRg st="1" end="1"/>
+                                            </p:txEl>
+                                          </p:spTgt>
+                                        </p:tgtEl>
+                                        <p:attrNameLst>
+                                          <p:attrName>style.visibility</p:attrName>
+                                        </p:attrNameLst>
+                                      </p:cBhvr>
+                                      <p:to>
+                                        <p:strVal val="visible"/>
+                                      </p:to>
+                                    </p:set>
+                                  </p:childTnLst>
+                                </p:cTn>
+                              </p:par>
+                            </p:childTnLst>
+                          </p:cTn>
+                        </p:par>
+                      </p:childTnLst>
+                    </p:cTn>
+                  </p:par>
+                  <p:par>
+                    <p:cTn id="7" fill="hold">
+                      <p:stCondLst>
+                        <p:cond delay="indefinite"/>
+                      </p:stCondLst>
+                      <p:childTnLst>
+                        <p:par>
+                          <p:cTn id="8" fill="hold">
+                            <p:stCondLst>
+                              <p:cond delay="0"/>
+                            </p:stCondLst>
+                            <p:childTnLst>
+                              <p:par>
+                                <p:cTn id="9" presetID="1" presetClass="entr" presetSubtype="0" fill="hold" nodeType="clickEffect">
+                                  <p:stCondLst>
+                                    <p:cond delay="0"/>
+                                  </p:stCondLst>
+                                  <p:childTnLst>
+                                    <p:set>
+                                      <p:cBhvr>
+                                        <p:cTn id="10" dur="1" fill="hold">
+                                          <p:stCondLst>
+                                            <p:cond delay="0"/>
+                                          </p:stCondLst>
+                                        </p:cTn>
+                                        <p:tgtEl>
+                                          <p:spTgt spid="3">
+                                            <p:txEl>
+                                              <p:pRg st="2" end="2"/>
+                                            </p:txEl>
+                                          </p:spTgt>
+                                        </p:tgtEl>
+                                        <p:attrNameLst>
+                                          <p:attrName>style.visibility</p:attrName>
+                                        </p:attrNameLst>
+                                      </p:cBhvr>
+                                      <p:to>
+                                        <p:strVal val="visible"/>
+                                      </p:to>
+                                    </p:set>
+                                  </p:childTnLst>
+                                </p:cTn>
+                              </p:par>
+                            </p:childTnLst>
+                          </p:cTn>
+                        </p:par>
+                      </p:childTnLst>
+                    </p:cTn>
+                  </p:par>
+                  <p:par>
+                    <p:cTn id="11" fill="hold">
+                      <p:stCondLst>
+                        <p:cond delay="indefinite"/>
+                      </p:stCondLst>
+                      <p:childTnLst>
+                        <p:par>
+                          <p:cTn id="12" fill="hold">
+                            <p:stCondLst>
+                              <p:cond delay="0"/>
+                            </p:stCondLst>
+                            <p:childTnLst>
+                              <p:par>
+                                <p:cTn id="13" presetID="1" presetClass="entr" presetSubtype="0" fill="hold" nodeType="clickEffect">
+                                  <p:stCondLst>
+                                    <p:cond delay="0"/>
+                                  </p:stCondLst>
+                                  <p:childTnLst>
+                                    <p:set>
+                                      <p:cBhvr>
+                                        <p:cTn id="14" dur="1" fill="hold">
+                                          <p:stCondLst>
+                                            <p:cond delay="0"/>
+                                          </p:stCondLst>
+                                        </p:cTn>
+                                        <p:tgtEl>
+                                          <p:spTgt spid="3">
+                                            <p:txEl>
+                                              <p:pRg st="3" end="3"/>
+                                            </p:txEl>
+                                          </p:spTgt>
+                                        </p:tgtEl>
+                                        <p:attrNameLst>
+                                          <p:attrName>style.visibility</p:attrName>
+                                        </p:attrNameLst>
+                                      </p:cBhvr>
+                                      <p:to>
+                                        <p:strVal val="visible"/>
+                                      </p:to>
+                                    </p:set>
+                                  </p:childTnLst>
+                                </p:cTn>
+                              </p:par>
+                            </p:childTnLst>
+                          </p:cTn>
+                        </p:par>
+                      </p:childTnLst>
+                    </p:cTn>
+                  </p:par>
+                  <p:par>
+                    <p:cTn id="15" fill="hold">
+                      <p:stCondLst>
+                        <p:cond delay="indefinite"/>
+                      </p:stCondLst>
+                      <p:childTnLst>
+                        <p:par>
+                          <p:cTn id="16" fill="hold">
+                            <p:stCondLst>
+                              <p:cond delay="0"/>
+                            </p:stCondLst>
+                            <p:childTnLst>
+                              <p:par>
+                                <p:cTn id="17" presetID="1" presetClass="entr" presetSubtype="0" fill="hold" nodeType="clickEffect">
+                                  <p:stCondLst>
+                                    <p:cond delay="0"/>
+                                  </p:stCondLst>
+                                  <p:childTnLst>
+                                    <p:set>
+                                      <p:cBhvr>
+                                        <p:cTn id="18" dur="1" fill="hold">
+                                          <p:stCondLst>
+                                            <p:cond delay="0"/>
+                                          </p:stCondLst>
+                                        </p:cTn>
+                                        <p:tgtEl>
+                                          <p:spTgt spid="3">
+                                            <p:txEl>
+                                              <p:pRg st="4" end="4"/>
+                                            </p:txEl>
+                                          </p:spTgt>
+                                        </p:tgtEl>
+                                        <p:attrNameLst>
+                                          <p:attrName>style.visibility</p:attrName>
+                                        </p:attrNameLst>
+                                      </p:cBhvr>
+                                      <p:to>
+                                        <p:strVal val="visible"/>
+                                      </p:to>
+                                    </p:set>
+                                  </p:childTnLst>
+                                </p:cTn>
+                              </p:par>
+                            </p:childTnLst>
+                          </p:cTn>
+                        </p:par>
+                      </p:childTnLst>
+                    </p:cTn>
+                  </p:par>
+                  <p:par>
+                    <p:cTn id="19" fill="hold">
+                      <p:stCondLst>
+                        <p:cond delay="indefinite"/>
+                      </p:stCondLst>
+                      <p:childTnLst>
+                        <p:par>
+                          <p:cTn id="20" fill="hold">
+                            <p:stCondLst>
+                              <p:cond delay="0"/>
+                            </p:stCondLst>
+                            <p:childTnLst>
+                              <p:par>
+                                <p:cTn id="21" presetID="1" presetClass="entr" presetSubtype="0" fill="hold" nodeType="clickEffect">
+                                  <p:stCondLst>
+                                    <p:cond delay="0"/>
+                                  </p:stCondLst>
+                                  <p:childTnLst>
+                                    <p:set>
+                                      <p:cBhvr>
+                                        <p:cTn id="22" dur="1" fill="hold">
+                                          <p:stCondLst>
+                                            <p:cond delay="0"/>
+                                          </p:stCondLst>
+                                        </p:cTn>
+                                        <p:tgtEl>
+                                          <p:spTgt spid="3">
+                                            <p:txEl>
+                                              <p:pRg st="5" end="5"/>
+                                            </p:txEl>
+                                          </p:spTgt>
+                                        </p:tgtEl>
+                                        <p:attrNameLst>
+                                          <p:attrName>style.visibility</p:attrName>
+                                        </p:attrNameLst>
+                                      </p:cBhvr>
+                                      <p:to>
+                                        <p:strVal val="visible"/>
+                                      </p:to>
+                                    </p:set>
+                                  </p:childTnLst>
+                                </p:cTn>
+                              </p:par>
+                            </p:childTnLst>
+                          </p:cTn>
+                        </p:par>
+                      </p:childTnLst>
+                    </p:cTn>
+                  </p:par>
+                </p:childTnLst>
+              </p:cTn>
+              <p:prevCondLst>
+                <p:cond evt="onPrev" delay="0">
+                  <p:tgtEl>
+                    <p:sldTgt/>
+                  </p:tgtEl>
+                </p:cond>
+              </p:prevCondLst>
+              <p:nextCondLst>
+                <p:cond evt="onNext" delay="0">
+                  <p:tgtEl>
+                    <p:sldTgt/>
+                  </p:tgtEl>
+                </p:cond>
+              </p:nextCondLst>
+            </p:seq>
+          </p:childTnLst>
+        </p:cTn>
+      </p:par>
+    </p:tnLst>
+  </p:timing>
 </p:sld>
 </file>
 
